--- a/Proposal/Slides.pptx
+++ b/Proposal/Slides.pptx
@@ -4,11 +4,19 @@
   <p:sldMasterIdLst>
     <p:sldMasterId id="2147483677" r:id="rId1"/>
   </p:sldMasterIdLst>
+  <p:notesMasterIdLst>
+    <p:notesMasterId r:id="rId11"/>
+  </p:notesMasterIdLst>
   <p:sldIdLst>
-    <p:sldId id="256" r:id="rId2"/>
-    <p:sldId id="257" r:id="rId3"/>
-    <p:sldId id="258" r:id="rId4"/>
-    <p:sldId id="259" r:id="rId5"/>
+    <p:sldId id="261" r:id="rId2"/>
+    <p:sldId id="256" r:id="rId3"/>
+    <p:sldId id="262" r:id="rId4"/>
+    <p:sldId id="257" r:id="rId5"/>
+    <p:sldId id="258" r:id="rId6"/>
+    <p:sldId id="259" r:id="rId7"/>
+    <p:sldId id="260" r:id="rId8"/>
+    <p:sldId id="263" r:id="rId9"/>
+    <p:sldId id="264" r:id="rId10"/>
   </p:sldIdLst>
   <p:sldSz cx="12192000" cy="6858000"/>
   <p:notesSz cx="6858000" cy="9144000"/>
@@ -108,6 +116,440 @@
     </a:lvl9pPr>
   </p:defaultTextStyle>
 </p:presentation>
+</file>
+
+<file path=ppt/notesMasters/notesMaster1.xml><?xml version="1.0" encoding="utf-8"?>
+<p:notesMaster xmlns:a="http://schemas.openxmlformats.org/drawingml/2006/main" xmlns:r="http://schemas.openxmlformats.org/officeDocument/2006/relationships" xmlns:p="http://schemas.openxmlformats.org/presentationml/2006/main">
+  <p:cSld>
+    <p:bg>
+      <p:bgRef idx="1001">
+        <a:schemeClr val="bg1"/>
+      </p:bgRef>
+    </p:bg>
+    <p:spTree>
+      <p:nvGrpSpPr>
+        <p:cNvPr id="1" name=""/>
+        <p:cNvGrpSpPr/>
+        <p:nvPr/>
+      </p:nvGrpSpPr>
+      <p:grpSpPr>
+        <a:xfrm>
+          <a:off x="0" y="0"/>
+          <a:ext cx="0" cy="0"/>
+          <a:chOff x="0" y="0"/>
+          <a:chExt cx="0" cy="0"/>
+        </a:xfrm>
+      </p:grpSpPr>
+      <p:sp>
+        <p:nvSpPr>
+          <p:cNvPr id="2" name="Header Placeholder 1"/>
+          <p:cNvSpPr>
+            <a:spLocks noGrp="1"/>
+          </p:cNvSpPr>
+          <p:nvPr>
+            <p:ph type="hdr" sz="quarter"/>
+          </p:nvPr>
+        </p:nvSpPr>
+        <p:spPr>
+          <a:xfrm>
+            <a:off x="0" y="0"/>
+            <a:ext cx="2971800" cy="458788"/>
+          </a:xfrm>
+          <a:prstGeom prst="rect">
+            <a:avLst/>
+          </a:prstGeom>
+        </p:spPr>
+        <p:txBody>
+          <a:bodyPr vert="horz" lIns="91440" tIns="45720" rIns="91440" bIns="45720" rtlCol="0"/>
+          <a:lstStyle>
+            <a:lvl1pPr algn="l">
+              <a:defRPr sz="1200"/>
+            </a:lvl1pPr>
+          </a:lstStyle>
+          <a:p>
+            <a:endParaRPr lang="en-GB"/>
+          </a:p>
+        </p:txBody>
+      </p:sp>
+      <p:sp>
+        <p:nvSpPr>
+          <p:cNvPr id="3" name="Date Placeholder 2"/>
+          <p:cNvSpPr>
+            <a:spLocks noGrp="1"/>
+          </p:cNvSpPr>
+          <p:nvPr>
+            <p:ph type="dt" idx="1"/>
+          </p:nvPr>
+        </p:nvSpPr>
+        <p:spPr>
+          <a:xfrm>
+            <a:off x="3884613" y="0"/>
+            <a:ext cx="2971800" cy="458788"/>
+          </a:xfrm>
+          <a:prstGeom prst="rect">
+            <a:avLst/>
+          </a:prstGeom>
+        </p:spPr>
+        <p:txBody>
+          <a:bodyPr vert="horz" lIns="91440" tIns="45720" rIns="91440" bIns="45720" rtlCol="0"/>
+          <a:lstStyle>
+            <a:lvl1pPr algn="r">
+              <a:defRPr sz="1200"/>
+            </a:lvl1pPr>
+          </a:lstStyle>
+          <a:p>
+            <a:fld id="{49A2A984-873E-495B-8DA5-FA2F86388A05}" type="datetimeFigureOut">
+              <a:rPr lang="en-GB" smtClean="0"/>
+              <a:t>04/12/2016</a:t>
+            </a:fld>
+            <a:endParaRPr lang="en-GB"/>
+          </a:p>
+        </p:txBody>
+      </p:sp>
+      <p:sp>
+        <p:nvSpPr>
+          <p:cNvPr id="4" name="Slide Image Placeholder 3"/>
+          <p:cNvSpPr>
+            <a:spLocks noGrp="1" noRot="1" noChangeAspect="1"/>
+          </p:cNvSpPr>
+          <p:nvPr>
+            <p:ph type="sldImg" idx="2"/>
+          </p:nvPr>
+        </p:nvSpPr>
+        <p:spPr>
+          <a:xfrm>
+            <a:off x="685800" y="1143000"/>
+            <a:ext cx="5486400" cy="3086100"/>
+          </a:xfrm>
+          <a:prstGeom prst="rect">
+            <a:avLst/>
+          </a:prstGeom>
+          <a:noFill/>
+          <a:ln w="12700">
+            <a:solidFill>
+              <a:prstClr val="black"/>
+            </a:solidFill>
+          </a:ln>
+        </p:spPr>
+        <p:txBody>
+          <a:bodyPr vert="horz" lIns="91440" tIns="45720" rIns="91440" bIns="45720" rtlCol="0" anchor="ctr"/>
+          <a:lstStyle/>
+          <a:p>
+            <a:endParaRPr lang="en-GB"/>
+          </a:p>
+        </p:txBody>
+      </p:sp>
+      <p:sp>
+        <p:nvSpPr>
+          <p:cNvPr id="5" name="Notes Placeholder 4"/>
+          <p:cNvSpPr>
+            <a:spLocks noGrp="1"/>
+          </p:cNvSpPr>
+          <p:nvPr>
+            <p:ph type="body" sz="quarter" idx="3"/>
+          </p:nvPr>
+        </p:nvSpPr>
+        <p:spPr>
+          <a:xfrm>
+            <a:off x="685800" y="4400550"/>
+            <a:ext cx="5486400" cy="3600450"/>
+          </a:xfrm>
+          <a:prstGeom prst="rect">
+            <a:avLst/>
+          </a:prstGeom>
+        </p:spPr>
+        <p:txBody>
+          <a:bodyPr vert="horz" lIns="91440" tIns="45720" rIns="91440" bIns="45720" rtlCol="0"/>
+          <a:lstStyle/>
+          <a:p>
+            <a:pPr lvl="0"/>
+            <a:r>
+              <a:rPr lang="en-US"/>
+              <a:t>Edit Master text styles</a:t>
+            </a:r>
+          </a:p>
+          <a:p>
+            <a:pPr lvl="1"/>
+            <a:r>
+              <a:rPr lang="en-US"/>
+              <a:t>Second level</a:t>
+            </a:r>
+          </a:p>
+          <a:p>
+            <a:pPr lvl="2"/>
+            <a:r>
+              <a:rPr lang="en-US"/>
+              <a:t>Third level</a:t>
+            </a:r>
+          </a:p>
+          <a:p>
+            <a:pPr lvl="3"/>
+            <a:r>
+              <a:rPr lang="en-US"/>
+              <a:t>Fourth level</a:t>
+            </a:r>
+          </a:p>
+          <a:p>
+            <a:pPr lvl="4"/>
+            <a:r>
+              <a:rPr lang="en-US"/>
+              <a:t>Fifth level</a:t>
+            </a:r>
+            <a:endParaRPr lang="en-GB"/>
+          </a:p>
+        </p:txBody>
+      </p:sp>
+      <p:sp>
+        <p:nvSpPr>
+          <p:cNvPr id="6" name="Footer Placeholder 5"/>
+          <p:cNvSpPr>
+            <a:spLocks noGrp="1"/>
+          </p:cNvSpPr>
+          <p:nvPr>
+            <p:ph type="ftr" sz="quarter" idx="4"/>
+          </p:nvPr>
+        </p:nvSpPr>
+        <p:spPr>
+          <a:xfrm>
+            <a:off x="0" y="8685213"/>
+            <a:ext cx="2971800" cy="458787"/>
+          </a:xfrm>
+          <a:prstGeom prst="rect">
+            <a:avLst/>
+          </a:prstGeom>
+        </p:spPr>
+        <p:txBody>
+          <a:bodyPr vert="horz" lIns="91440" tIns="45720" rIns="91440" bIns="45720" rtlCol="0" anchor="b"/>
+          <a:lstStyle>
+            <a:lvl1pPr algn="l">
+              <a:defRPr sz="1200"/>
+            </a:lvl1pPr>
+          </a:lstStyle>
+          <a:p>
+            <a:endParaRPr lang="en-GB"/>
+          </a:p>
+        </p:txBody>
+      </p:sp>
+      <p:sp>
+        <p:nvSpPr>
+          <p:cNvPr id="7" name="Slide Number Placeholder 6"/>
+          <p:cNvSpPr>
+            <a:spLocks noGrp="1"/>
+          </p:cNvSpPr>
+          <p:nvPr>
+            <p:ph type="sldNum" sz="quarter" idx="5"/>
+          </p:nvPr>
+        </p:nvSpPr>
+        <p:spPr>
+          <a:xfrm>
+            <a:off x="3884613" y="8685213"/>
+            <a:ext cx="2971800" cy="458787"/>
+          </a:xfrm>
+          <a:prstGeom prst="rect">
+            <a:avLst/>
+          </a:prstGeom>
+        </p:spPr>
+        <p:txBody>
+          <a:bodyPr vert="horz" lIns="91440" tIns="45720" rIns="91440" bIns="45720" rtlCol="0" anchor="b"/>
+          <a:lstStyle>
+            <a:lvl1pPr algn="r">
+              <a:defRPr sz="1200"/>
+            </a:lvl1pPr>
+          </a:lstStyle>
+          <a:p>
+            <a:fld id="{47E383E0-8307-4E64-8B16-F00514BB0A3D}" type="slidenum">
+              <a:rPr lang="en-GB" smtClean="0"/>
+              <a:t>‹#›</a:t>
+            </a:fld>
+            <a:endParaRPr lang="en-GB"/>
+          </a:p>
+        </p:txBody>
+      </p:sp>
+    </p:spTree>
+    <p:extLst>
+      <p:ext uri="{BB962C8B-B14F-4D97-AF65-F5344CB8AC3E}">
+        <p14:creationId xmlns:p14="http://schemas.microsoft.com/office/powerpoint/2010/main" val="1303426692"/>
+      </p:ext>
+    </p:extLst>
+  </p:cSld>
+  <p:clrMap bg1="lt1" tx1="dk1" bg2="lt2" tx2="dk2" accent1="accent1" accent2="accent2" accent3="accent3" accent4="accent4" accent5="accent5" accent6="accent6" hlink="hlink" folHlink="folHlink"/>
+  <p:notesStyle>
+    <a:lvl1pPr marL="0" algn="l" defTabSz="914400" rtl="0" eaLnBrk="1" latinLnBrk="0" hangingPunct="1">
+      <a:defRPr sz="1200" kern="1200">
+        <a:solidFill>
+          <a:schemeClr val="tx1"/>
+        </a:solidFill>
+        <a:latin typeface="+mn-lt"/>
+        <a:ea typeface="+mn-ea"/>
+        <a:cs typeface="+mn-cs"/>
+      </a:defRPr>
+    </a:lvl1pPr>
+    <a:lvl2pPr marL="457200" algn="l" defTabSz="914400" rtl="0" eaLnBrk="1" latinLnBrk="0" hangingPunct="1">
+      <a:defRPr sz="1200" kern="1200">
+        <a:solidFill>
+          <a:schemeClr val="tx1"/>
+        </a:solidFill>
+        <a:latin typeface="+mn-lt"/>
+        <a:ea typeface="+mn-ea"/>
+        <a:cs typeface="+mn-cs"/>
+      </a:defRPr>
+    </a:lvl2pPr>
+    <a:lvl3pPr marL="914400" algn="l" defTabSz="914400" rtl="0" eaLnBrk="1" latinLnBrk="0" hangingPunct="1">
+      <a:defRPr sz="1200" kern="1200">
+        <a:solidFill>
+          <a:schemeClr val="tx1"/>
+        </a:solidFill>
+        <a:latin typeface="+mn-lt"/>
+        <a:ea typeface="+mn-ea"/>
+        <a:cs typeface="+mn-cs"/>
+      </a:defRPr>
+    </a:lvl3pPr>
+    <a:lvl4pPr marL="1371600" algn="l" defTabSz="914400" rtl="0" eaLnBrk="1" latinLnBrk="0" hangingPunct="1">
+      <a:defRPr sz="1200" kern="1200">
+        <a:solidFill>
+          <a:schemeClr val="tx1"/>
+        </a:solidFill>
+        <a:latin typeface="+mn-lt"/>
+        <a:ea typeface="+mn-ea"/>
+        <a:cs typeface="+mn-cs"/>
+      </a:defRPr>
+    </a:lvl4pPr>
+    <a:lvl5pPr marL="1828800" algn="l" defTabSz="914400" rtl="0" eaLnBrk="1" latinLnBrk="0" hangingPunct="1">
+      <a:defRPr sz="1200" kern="1200">
+        <a:solidFill>
+          <a:schemeClr val="tx1"/>
+        </a:solidFill>
+        <a:latin typeface="+mn-lt"/>
+        <a:ea typeface="+mn-ea"/>
+        <a:cs typeface="+mn-cs"/>
+      </a:defRPr>
+    </a:lvl5pPr>
+    <a:lvl6pPr marL="2286000" algn="l" defTabSz="914400" rtl="0" eaLnBrk="1" latinLnBrk="0" hangingPunct="1">
+      <a:defRPr sz="1200" kern="1200">
+        <a:solidFill>
+          <a:schemeClr val="tx1"/>
+        </a:solidFill>
+        <a:latin typeface="+mn-lt"/>
+        <a:ea typeface="+mn-ea"/>
+        <a:cs typeface="+mn-cs"/>
+      </a:defRPr>
+    </a:lvl6pPr>
+    <a:lvl7pPr marL="2743200" algn="l" defTabSz="914400" rtl="0" eaLnBrk="1" latinLnBrk="0" hangingPunct="1">
+      <a:defRPr sz="1200" kern="1200">
+        <a:solidFill>
+          <a:schemeClr val="tx1"/>
+        </a:solidFill>
+        <a:latin typeface="+mn-lt"/>
+        <a:ea typeface="+mn-ea"/>
+        <a:cs typeface="+mn-cs"/>
+      </a:defRPr>
+    </a:lvl7pPr>
+    <a:lvl8pPr marL="3200400" algn="l" defTabSz="914400" rtl="0" eaLnBrk="1" latinLnBrk="0" hangingPunct="1">
+      <a:defRPr sz="1200" kern="1200">
+        <a:solidFill>
+          <a:schemeClr val="tx1"/>
+        </a:solidFill>
+        <a:latin typeface="+mn-lt"/>
+        <a:ea typeface="+mn-ea"/>
+        <a:cs typeface="+mn-cs"/>
+      </a:defRPr>
+    </a:lvl8pPr>
+    <a:lvl9pPr marL="3657600" algn="l" defTabSz="914400" rtl="0" eaLnBrk="1" latinLnBrk="0" hangingPunct="1">
+      <a:defRPr sz="1200" kern="1200">
+        <a:solidFill>
+          <a:schemeClr val="tx1"/>
+        </a:solidFill>
+        <a:latin typeface="+mn-lt"/>
+        <a:ea typeface="+mn-ea"/>
+        <a:cs typeface="+mn-cs"/>
+      </a:defRPr>
+    </a:lvl9pPr>
+  </p:notesStyle>
+</p:notesMaster>
+</file>
+
+<file path=ppt/notesSlides/notesSlide1.xml><?xml version="1.0" encoding="utf-8"?>
+<p:notes xmlns:a="http://schemas.openxmlformats.org/drawingml/2006/main" xmlns:r="http://schemas.openxmlformats.org/officeDocument/2006/relationships" xmlns:p="http://schemas.openxmlformats.org/presentationml/2006/main">
+  <p:cSld>
+    <p:spTree>
+      <p:nvGrpSpPr>
+        <p:cNvPr id="1" name=""/>
+        <p:cNvGrpSpPr/>
+        <p:nvPr/>
+      </p:nvGrpSpPr>
+      <p:grpSpPr>
+        <a:xfrm>
+          <a:off x="0" y="0"/>
+          <a:ext cx="0" cy="0"/>
+          <a:chOff x="0" y="0"/>
+          <a:chExt cx="0" cy="0"/>
+        </a:xfrm>
+      </p:grpSpPr>
+      <p:sp>
+        <p:nvSpPr>
+          <p:cNvPr id="2" name="Slide Image Placeholder 1"/>
+          <p:cNvSpPr>
+            <a:spLocks noGrp="1" noRot="1" noChangeAspect="1"/>
+          </p:cNvSpPr>
+          <p:nvPr>
+            <p:ph type="sldImg"/>
+          </p:nvPr>
+        </p:nvSpPr>
+        <p:spPr/>
+      </p:sp>
+      <p:sp>
+        <p:nvSpPr>
+          <p:cNvPr id="3" name="Notes Placeholder 2"/>
+          <p:cNvSpPr>
+            <a:spLocks noGrp="1"/>
+          </p:cNvSpPr>
+          <p:nvPr>
+            <p:ph type="body" idx="1"/>
+          </p:nvPr>
+        </p:nvSpPr>
+        <p:spPr/>
+        <p:txBody>
+          <a:bodyPr/>
+          <a:lstStyle/>
+          <a:p>
+            <a:endParaRPr lang="en-GB" dirty="0"/>
+          </a:p>
+        </p:txBody>
+      </p:sp>
+      <p:sp>
+        <p:nvSpPr>
+          <p:cNvPr id="4" name="Slide Number Placeholder 3"/>
+          <p:cNvSpPr>
+            <a:spLocks noGrp="1"/>
+          </p:cNvSpPr>
+          <p:nvPr>
+            <p:ph type="sldNum" sz="quarter" idx="10"/>
+          </p:nvPr>
+        </p:nvSpPr>
+        <p:spPr/>
+        <p:txBody>
+          <a:bodyPr/>
+          <a:lstStyle/>
+          <a:p>
+            <a:fld id="{47E383E0-8307-4E64-8B16-F00514BB0A3D}" type="slidenum">
+              <a:rPr lang="en-GB" smtClean="0"/>
+              <a:t>5</a:t>
+            </a:fld>
+            <a:endParaRPr lang="en-GB"/>
+          </a:p>
+        </p:txBody>
+      </p:sp>
+    </p:spTree>
+    <p:extLst>
+      <p:ext uri="{BB962C8B-B14F-4D97-AF65-F5344CB8AC3E}">
+        <p14:creationId xmlns:p14="http://schemas.microsoft.com/office/powerpoint/2010/main" val="1497924944"/>
+      </p:ext>
+    </p:extLst>
+  </p:cSld>
+  <p:clrMapOvr>
+    <a:masterClrMapping/>
+  </p:clrMapOvr>
+</p:notes>
 </file>
 
 <file path=ppt/slideLayouts/slideLayout1.xml><?xml version="1.0" encoding="utf-8"?>
@@ -5854,7 +6296,7 @@
           <a:p>
             <a:r>
               <a:rPr lang="en-GB" dirty="0"/>
-              <a:t>Companion AI Tool</a:t>
+              <a:t>COMP230 Components</a:t>
             </a:r>
           </a:p>
         </p:txBody>
@@ -5876,7 +6318,7 @@
           <a:p>
             <a:r>
               <a:rPr lang="en-GB" dirty="0"/>
-              <a:t>COMP230 Component</a:t>
+              <a:t>BSc United</a:t>
             </a:r>
           </a:p>
         </p:txBody>
@@ -5884,7 +6326,7 @@
     </p:spTree>
     <p:extLst>
       <p:ext uri="{BB962C8B-B14F-4D97-AF65-F5344CB8AC3E}">
-        <p14:creationId xmlns:p14="http://schemas.microsoft.com/office/powerpoint/2010/main" val="4087722340"/>
+        <p14:creationId xmlns:p14="http://schemas.microsoft.com/office/powerpoint/2010/main" val="1457330003"/>
       </p:ext>
     </p:extLst>
   </p:cSld>
@@ -5918,7 +6360,7 @@
             <a:spLocks noGrp="1"/>
           </p:cNvSpPr>
           <p:nvPr>
-            <p:ph type="title"/>
+            <p:ph type="ctrTitle"/>
           </p:nvPr>
         </p:nvSpPr>
         <p:spPr/>
@@ -5928,69 +6370,29 @@
           <a:p>
             <a:r>
               <a:rPr lang="en-GB" dirty="0"/>
-              <a:t>Companion AI </a:t>
-            </a:r>
-          </a:p>
-        </p:txBody>
-      </p:sp>
-      <p:sp>
-        <p:nvSpPr>
-          <p:cNvPr id="3" name="Content Placeholder 2"/>
-          <p:cNvSpPr>
-            <a:spLocks noGrp="1"/>
-          </p:cNvSpPr>
-          <p:nvPr>
-            <p:ph idx="1"/>
+              <a:t>PCG Navigable Mountains</a:t>
+            </a:r>
+          </a:p>
+        </p:txBody>
+      </p:sp>
+      <p:sp>
+        <p:nvSpPr>
+          <p:cNvPr id="3" name="Subtitle 2"/>
+          <p:cNvSpPr>
+            <a:spLocks noGrp="1"/>
+          </p:cNvSpPr>
+          <p:nvPr>
+            <p:ph type="subTitle" idx="1"/>
           </p:nvPr>
         </p:nvSpPr>
         <p:spPr/>
         <p:txBody>
-          <a:bodyPr>
-            <a:normAutofit/>
-          </a:bodyPr>
-          <a:lstStyle/>
-          <a:p>
-            <a:pPr>
-              <a:lnSpc>
-                <a:spcPct val="150000"/>
-              </a:lnSpc>
-            </a:pPr>
-            <a:r>
-              <a:rPr lang="en-GB" sz="2000" dirty="0"/>
-              <a:t>Using a behaviour tree</a:t>
-            </a:r>
-          </a:p>
-          <a:p>
-            <a:pPr>
-              <a:lnSpc>
-                <a:spcPct val="150000"/>
-              </a:lnSpc>
-            </a:pPr>
-            <a:r>
-              <a:rPr lang="en-GB" sz="2000" dirty="0"/>
-              <a:t>Should be adaptable to most animals</a:t>
-            </a:r>
-          </a:p>
-          <a:p>
-            <a:pPr lvl="1">
-              <a:lnSpc>
-                <a:spcPct val="150000"/>
-              </a:lnSpc>
-            </a:pPr>
-            <a:r>
-              <a:rPr lang="en-GB" sz="1800" dirty="0"/>
-              <a:t>My version currently designed for falcons</a:t>
-            </a:r>
-          </a:p>
-          <a:p>
-            <a:pPr>
-              <a:lnSpc>
-                <a:spcPct val="150000"/>
-              </a:lnSpc>
-            </a:pPr>
-            <a:r>
-              <a:rPr lang="en-GB" sz="2000" dirty="0"/>
-              <a:t>Easy to add, remove and alter branches</a:t>
+          <a:bodyPr/>
+          <a:lstStyle/>
+          <a:p>
+            <a:r>
+              <a:rPr lang="en-GB" dirty="0"/>
+              <a:t>COMP230 Component</a:t>
             </a:r>
           </a:p>
         </p:txBody>
@@ -5998,7 +6400,7 @@
     </p:spTree>
     <p:extLst>
       <p:ext uri="{BB962C8B-B14F-4D97-AF65-F5344CB8AC3E}">
-        <p14:creationId xmlns:p14="http://schemas.microsoft.com/office/powerpoint/2010/main" val="2178287929"/>
+        <p14:creationId xmlns:p14="http://schemas.microsoft.com/office/powerpoint/2010/main" val="4087722340"/>
       </p:ext>
     </p:extLst>
   </p:cSld>
@@ -6032,6 +6434,194 @@
             <a:spLocks noGrp="1"/>
           </p:cNvSpPr>
           <p:nvPr>
+            <p:ph type="ctrTitle"/>
+          </p:nvPr>
+        </p:nvSpPr>
+        <p:spPr/>
+        <p:txBody>
+          <a:bodyPr/>
+          <a:lstStyle/>
+          <a:p>
+            <a:r>
+              <a:rPr lang="en-GB" dirty="0"/>
+              <a:t>Companion AI Tool</a:t>
+            </a:r>
+          </a:p>
+        </p:txBody>
+      </p:sp>
+      <p:sp>
+        <p:nvSpPr>
+          <p:cNvPr id="3" name="Subtitle 2"/>
+          <p:cNvSpPr>
+            <a:spLocks noGrp="1"/>
+          </p:cNvSpPr>
+          <p:nvPr>
+            <p:ph type="subTitle" idx="1"/>
+          </p:nvPr>
+        </p:nvSpPr>
+        <p:spPr/>
+        <p:txBody>
+          <a:bodyPr/>
+          <a:lstStyle/>
+          <a:p>
+            <a:r>
+              <a:rPr lang="en-GB" dirty="0"/>
+              <a:t>COMP230 Component</a:t>
+            </a:r>
+          </a:p>
+        </p:txBody>
+      </p:sp>
+    </p:spTree>
+    <p:extLst>
+      <p:ext uri="{BB962C8B-B14F-4D97-AF65-F5344CB8AC3E}">
+        <p14:creationId xmlns:p14="http://schemas.microsoft.com/office/powerpoint/2010/main" val="3386302008"/>
+      </p:ext>
+    </p:extLst>
+  </p:cSld>
+  <p:clrMapOvr>
+    <a:masterClrMapping/>
+  </p:clrMapOvr>
+</p:sld>
+</file>
+
+<file path=ppt/slides/slide4.xml><?xml version="1.0" encoding="utf-8"?>
+<p:sld xmlns:a="http://schemas.openxmlformats.org/drawingml/2006/main" xmlns:r="http://schemas.openxmlformats.org/officeDocument/2006/relationships" xmlns:p="http://schemas.openxmlformats.org/presentationml/2006/main">
+  <p:cSld>
+    <p:spTree>
+      <p:nvGrpSpPr>
+        <p:cNvPr id="1" name=""/>
+        <p:cNvGrpSpPr/>
+        <p:nvPr/>
+      </p:nvGrpSpPr>
+      <p:grpSpPr>
+        <a:xfrm>
+          <a:off x="0" y="0"/>
+          <a:ext cx="0" cy="0"/>
+          <a:chOff x="0" y="0"/>
+          <a:chExt cx="0" cy="0"/>
+        </a:xfrm>
+      </p:grpSpPr>
+      <p:sp>
+        <p:nvSpPr>
+          <p:cNvPr id="2" name="Title 1"/>
+          <p:cNvSpPr>
+            <a:spLocks noGrp="1"/>
+          </p:cNvSpPr>
+          <p:nvPr>
+            <p:ph type="title"/>
+          </p:nvPr>
+        </p:nvSpPr>
+        <p:spPr/>
+        <p:txBody>
+          <a:bodyPr/>
+          <a:lstStyle/>
+          <a:p>
+            <a:r>
+              <a:rPr lang="en-GB" dirty="0"/>
+              <a:t>Companion AI </a:t>
+            </a:r>
+          </a:p>
+        </p:txBody>
+      </p:sp>
+      <p:sp>
+        <p:nvSpPr>
+          <p:cNvPr id="3" name="Content Placeholder 2"/>
+          <p:cNvSpPr>
+            <a:spLocks noGrp="1"/>
+          </p:cNvSpPr>
+          <p:nvPr>
+            <p:ph idx="1"/>
+          </p:nvPr>
+        </p:nvSpPr>
+        <p:spPr/>
+        <p:txBody>
+          <a:bodyPr>
+            <a:normAutofit/>
+          </a:bodyPr>
+          <a:lstStyle/>
+          <a:p>
+            <a:pPr>
+              <a:lnSpc>
+                <a:spcPct val="150000"/>
+              </a:lnSpc>
+            </a:pPr>
+            <a:r>
+              <a:rPr lang="en-GB" sz="2000" dirty="0"/>
+              <a:t>Using a behaviour tree</a:t>
+            </a:r>
+          </a:p>
+          <a:p>
+            <a:pPr>
+              <a:lnSpc>
+                <a:spcPct val="150000"/>
+              </a:lnSpc>
+            </a:pPr>
+            <a:r>
+              <a:rPr lang="en-GB" sz="2000" dirty="0"/>
+              <a:t>Should be adaptable to most animals</a:t>
+            </a:r>
+          </a:p>
+          <a:p>
+            <a:pPr lvl="1">
+              <a:lnSpc>
+                <a:spcPct val="150000"/>
+              </a:lnSpc>
+            </a:pPr>
+            <a:r>
+              <a:rPr lang="en-GB" sz="1800" dirty="0"/>
+              <a:t>My version currently designed for falcons</a:t>
+            </a:r>
+          </a:p>
+          <a:p>
+            <a:pPr>
+              <a:lnSpc>
+                <a:spcPct val="150000"/>
+              </a:lnSpc>
+            </a:pPr>
+            <a:r>
+              <a:rPr lang="en-GB" sz="2000" dirty="0"/>
+              <a:t>Easy to add, remove and alter branches</a:t>
+            </a:r>
+          </a:p>
+        </p:txBody>
+      </p:sp>
+    </p:spTree>
+    <p:extLst>
+      <p:ext uri="{BB962C8B-B14F-4D97-AF65-F5344CB8AC3E}">
+        <p14:creationId xmlns:p14="http://schemas.microsoft.com/office/powerpoint/2010/main" val="2178287929"/>
+      </p:ext>
+    </p:extLst>
+  </p:cSld>
+  <p:clrMapOvr>
+    <a:masterClrMapping/>
+  </p:clrMapOvr>
+</p:sld>
+</file>
+
+<file path=ppt/slides/slide5.xml><?xml version="1.0" encoding="utf-8"?>
+<p:sld xmlns:a="http://schemas.openxmlformats.org/drawingml/2006/main" xmlns:r="http://schemas.openxmlformats.org/officeDocument/2006/relationships" xmlns:p="http://schemas.openxmlformats.org/presentationml/2006/main">
+  <p:cSld>
+    <p:spTree>
+      <p:nvGrpSpPr>
+        <p:cNvPr id="1" name=""/>
+        <p:cNvGrpSpPr/>
+        <p:nvPr/>
+      </p:nvGrpSpPr>
+      <p:grpSpPr>
+        <a:xfrm>
+          <a:off x="0" y="0"/>
+          <a:ext cx="0" cy="0"/>
+          <a:chOff x="0" y="0"/>
+          <a:chExt cx="0" cy="0"/>
+        </a:xfrm>
+      </p:grpSpPr>
+      <p:sp>
+        <p:nvSpPr>
+          <p:cNvPr id="2" name="Title 1"/>
+          <p:cNvSpPr>
+            <a:spLocks noGrp="1"/>
+          </p:cNvSpPr>
+          <p:nvPr>
             <p:ph type="title"/>
           </p:nvPr>
         </p:nvSpPr>
@@ -6058,7 +6648,7 @@
           </p:nvPr>
         </p:nvPicPr>
         <p:blipFill>
-          <a:blip r:embed="rId2">
+          <a:blip r:embed="rId3">
             <a:extLst>
               <a:ext uri="{28A0092B-C50C-407E-A947-70E740481C1C}">
                 <a14:useLocalDpi xmlns:a14="http://schemas.microsoft.com/office/drawing/2010/main" val="0"/>
@@ -6089,7 +6679,7 @@
 </p:sld>
 </file>
 
-<file path=ppt/slides/slide4.xml><?xml version="1.0" encoding="utf-8"?>
+<file path=ppt/slides/slide6.xml><?xml version="1.0" encoding="utf-8"?>
 <p:sld xmlns:a="http://schemas.openxmlformats.org/drawingml/2006/main" xmlns:r="http://schemas.openxmlformats.org/officeDocument/2006/relationships" xmlns:p="http://schemas.openxmlformats.org/presentationml/2006/main">
   <p:cSld>
     <p:spTree>
@@ -6183,13 +6773,8 @@
             </a:pPr>
             <a:r>
               <a:rPr lang="en-GB" dirty="0"/>
-              <a:t>Scope depends on number </a:t>
-            </a:r>
-            <a:r>
-              <a:rPr lang="en-GB"/>
-              <a:t>of branches</a:t>
-            </a:r>
-            <a:endParaRPr lang="en-GB" dirty="0"/>
+              <a:t>Scope depends on number of branches</a:t>
+            </a:r>
           </a:p>
           <a:p>
             <a:pPr>
@@ -6205,6 +6790,298 @@
     <p:extLst>
       <p:ext uri="{BB962C8B-B14F-4D97-AF65-F5344CB8AC3E}">
         <p14:creationId xmlns:p14="http://schemas.microsoft.com/office/powerpoint/2010/main" val="2978372015"/>
+      </p:ext>
+    </p:extLst>
+  </p:cSld>
+  <p:clrMapOvr>
+    <a:masterClrMapping/>
+  </p:clrMapOvr>
+</p:sld>
+</file>
+
+<file path=ppt/slides/slide7.xml><?xml version="1.0" encoding="utf-8"?>
+<p:sld xmlns:a="http://schemas.openxmlformats.org/drawingml/2006/main" xmlns:r="http://schemas.openxmlformats.org/officeDocument/2006/relationships" xmlns:p="http://schemas.openxmlformats.org/presentationml/2006/main">
+  <p:cSld>
+    <p:spTree>
+      <p:nvGrpSpPr>
+        <p:cNvPr id="1" name=""/>
+        <p:cNvGrpSpPr/>
+        <p:nvPr/>
+      </p:nvGrpSpPr>
+      <p:grpSpPr>
+        <a:xfrm>
+          <a:off x="0" y="0"/>
+          <a:ext cx="0" cy="0"/>
+          <a:chOff x="0" y="0"/>
+          <a:chExt cx="0" cy="0"/>
+        </a:xfrm>
+      </p:grpSpPr>
+      <p:sp>
+        <p:nvSpPr>
+          <p:cNvPr id="2" name="Title 1"/>
+          <p:cNvSpPr>
+            <a:spLocks noGrp="1"/>
+          </p:cNvSpPr>
+          <p:nvPr>
+            <p:ph type="title"/>
+          </p:nvPr>
+        </p:nvSpPr>
+        <p:spPr/>
+        <p:txBody>
+          <a:bodyPr/>
+          <a:lstStyle/>
+          <a:p>
+            <a:r>
+              <a:rPr lang="en-GB" dirty="0"/>
+              <a:t>Commercial Feasibility </a:t>
+            </a:r>
+          </a:p>
+        </p:txBody>
+      </p:sp>
+      <p:sp>
+        <p:nvSpPr>
+          <p:cNvPr id="3" name="Content Placeholder 2"/>
+          <p:cNvSpPr>
+            <a:spLocks noGrp="1"/>
+          </p:cNvSpPr>
+          <p:nvPr>
+            <p:ph idx="1"/>
+          </p:nvPr>
+        </p:nvSpPr>
+        <p:spPr/>
+        <p:txBody>
+          <a:bodyPr/>
+          <a:lstStyle/>
+          <a:p>
+            <a:pPr>
+              <a:lnSpc>
+                <a:spcPct val="250000"/>
+              </a:lnSpc>
+            </a:pPr>
+            <a:r>
+              <a:rPr lang="en-GB" dirty="0"/>
+              <a:t>Game making tool so could be sold on Unity Asset store</a:t>
+            </a:r>
+          </a:p>
+          <a:p>
+            <a:pPr>
+              <a:lnSpc>
+                <a:spcPct val="250000"/>
+              </a:lnSpc>
+            </a:pPr>
+            <a:r>
+              <a:rPr lang="en-GB" dirty="0"/>
+              <a:t>Best selling Unity Assets are normally $50+</a:t>
+            </a:r>
+          </a:p>
+          <a:p>
+            <a:pPr>
+              <a:lnSpc>
+                <a:spcPct val="250000"/>
+              </a:lnSpc>
+            </a:pPr>
+            <a:r>
+              <a:rPr lang="en-GB" dirty="0"/>
+              <a:t>Behaviour tree tool on Asset store are either general tools or for enemies </a:t>
+            </a:r>
+          </a:p>
+          <a:p>
+            <a:pPr>
+              <a:lnSpc>
+                <a:spcPct val="250000"/>
+              </a:lnSpc>
+            </a:pPr>
+            <a:endParaRPr lang="en-GB" dirty="0"/>
+          </a:p>
+          <a:p>
+            <a:pPr>
+              <a:lnSpc>
+                <a:spcPct val="250000"/>
+              </a:lnSpc>
+            </a:pPr>
+            <a:endParaRPr lang="en-GB" dirty="0"/>
+          </a:p>
+        </p:txBody>
+      </p:sp>
+    </p:spTree>
+    <p:extLst>
+      <p:ext uri="{BB962C8B-B14F-4D97-AF65-F5344CB8AC3E}">
+        <p14:creationId xmlns:p14="http://schemas.microsoft.com/office/powerpoint/2010/main" val="1607881222"/>
+      </p:ext>
+    </p:extLst>
+  </p:cSld>
+  <p:clrMapOvr>
+    <a:masterClrMapping/>
+  </p:clrMapOvr>
+</p:sld>
+</file>
+
+<file path=ppt/slides/slide8.xml><?xml version="1.0" encoding="utf-8"?>
+<p:sld xmlns:a="http://schemas.openxmlformats.org/drawingml/2006/main" xmlns:r="http://schemas.openxmlformats.org/officeDocument/2006/relationships" xmlns:p="http://schemas.openxmlformats.org/presentationml/2006/main">
+  <p:cSld>
+    <p:spTree>
+      <p:nvGrpSpPr>
+        <p:cNvPr id="1" name=""/>
+        <p:cNvGrpSpPr/>
+        <p:nvPr/>
+      </p:nvGrpSpPr>
+      <p:grpSpPr>
+        <a:xfrm>
+          <a:off x="0" y="0"/>
+          <a:ext cx="0" cy="0"/>
+          <a:chOff x="0" y="0"/>
+          <a:chExt cx="0" cy="0"/>
+        </a:xfrm>
+      </p:grpSpPr>
+      <p:sp>
+        <p:nvSpPr>
+          <p:cNvPr id="2" name="Title 1"/>
+          <p:cNvSpPr>
+            <a:spLocks noGrp="1"/>
+          </p:cNvSpPr>
+          <p:nvPr>
+            <p:ph type="ctrTitle"/>
+          </p:nvPr>
+        </p:nvSpPr>
+        <p:spPr/>
+        <p:txBody>
+          <a:bodyPr/>
+          <a:lstStyle/>
+          <a:p>
+            <a:r>
+              <a:rPr lang="en-GB" dirty="0"/>
+              <a:t>Components Combined</a:t>
+            </a:r>
+          </a:p>
+        </p:txBody>
+      </p:sp>
+      <p:sp>
+        <p:nvSpPr>
+          <p:cNvPr id="3" name="Subtitle 2"/>
+          <p:cNvSpPr>
+            <a:spLocks noGrp="1"/>
+          </p:cNvSpPr>
+          <p:nvPr>
+            <p:ph type="subTitle" idx="1"/>
+          </p:nvPr>
+        </p:nvSpPr>
+        <p:spPr/>
+        <p:txBody>
+          <a:bodyPr/>
+          <a:lstStyle/>
+          <a:p>
+            <a:r>
+              <a:rPr lang="en-GB" dirty="0"/>
+              <a:t>COMP230 Component</a:t>
+            </a:r>
+          </a:p>
+        </p:txBody>
+      </p:sp>
+    </p:spTree>
+    <p:extLst>
+      <p:ext uri="{BB962C8B-B14F-4D97-AF65-F5344CB8AC3E}">
+        <p14:creationId xmlns:p14="http://schemas.microsoft.com/office/powerpoint/2010/main" val="1413069069"/>
+      </p:ext>
+    </p:extLst>
+  </p:cSld>
+  <p:clrMapOvr>
+    <a:masterClrMapping/>
+  </p:clrMapOvr>
+</p:sld>
+</file>
+
+<file path=ppt/slides/slide9.xml><?xml version="1.0" encoding="utf-8"?>
+<p:sld xmlns:a="http://schemas.openxmlformats.org/drawingml/2006/main" xmlns:r="http://schemas.openxmlformats.org/officeDocument/2006/relationships" xmlns:p="http://schemas.openxmlformats.org/presentationml/2006/main">
+  <p:cSld>
+    <p:spTree>
+      <p:nvGrpSpPr>
+        <p:cNvPr id="1" name=""/>
+        <p:cNvGrpSpPr/>
+        <p:nvPr/>
+      </p:nvGrpSpPr>
+      <p:grpSpPr>
+        <a:xfrm>
+          <a:off x="0" y="0"/>
+          <a:ext cx="0" cy="0"/>
+          <a:chOff x="0" y="0"/>
+          <a:chExt cx="0" cy="0"/>
+        </a:xfrm>
+      </p:grpSpPr>
+      <p:sp>
+        <p:nvSpPr>
+          <p:cNvPr id="2" name="Title 1"/>
+          <p:cNvSpPr>
+            <a:spLocks noGrp="1"/>
+          </p:cNvSpPr>
+          <p:nvPr>
+            <p:ph type="title"/>
+          </p:nvPr>
+        </p:nvSpPr>
+        <p:spPr/>
+        <p:txBody>
+          <a:bodyPr/>
+          <a:lstStyle/>
+          <a:p>
+            <a:r>
+              <a:rPr lang="en-GB" dirty="0"/>
+              <a:t>Pathfinding</a:t>
+            </a:r>
+          </a:p>
+        </p:txBody>
+      </p:sp>
+      <p:sp>
+        <p:nvSpPr>
+          <p:cNvPr id="3" name="Content Placeholder 2"/>
+          <p:cNvSpPr>
+            <a:spLocks noGrp="1"/>
+          </p:cNvSpPr>
+          <p:nvPr>
+            <p:ph idx="1"/>
+          </p:nvPr>
+        </p:nvSpPr>
+        <p:spPr/>
+        <p:txBody>
+          <a:bodyPr/>
+          <a:lstStyle/>
+          <a:p>
+            <a:pPr>
+              <a:lnSpc>
+                <a:spcPct val="200000"/>
+              </a:lnSpc>
+            </a:pPr>
+            <a:r>
+              <a:rPr lang="en-GB" dirty="0"/>
+              <a:t>Both components require pathfinding</a:t>
+            </a:r>
+          </a:p>
+          <a:p>
+            <a:pPr lvl="1">
+              <a:lnSpc>
+                <a:spcPct val="200000"/>
+              </a:lnSpc>
+            </a:pPr>
+            <a:r>
+              <a:rPr lang="en-GB" dirty="0"/>
+              <a:t>Paths generated with terrain can be passed into AI to guide player</a:t>
+            </a:r>
+          </a:p>
+          <a:p>
+            <a:pPr>
+              <a:lnSpc>
+                <a:spcPct val="200000"/>
+              </a:lnSpc>
+            </a:pPr>
+            <a:r>
+              <a:rPr lang="en-GB" dirty="0"/>
+              <a:t>AI will only find enemies and objects if player can reach them</a:t>
+            </a:r>
+          </a:p>
+        </p:txBody>
+      </p:sp>
+    </p:spTree>
+    <p:extLst>
+      <p:ext uri="{BB962C8B-B14F-4D97-AF65-F5344CB8AC3E}">
+        <p14:creationId xmlns:p14="http://schemas.microsoft.com/office/powerpoint/2010/main" val="2339563425"/>
       </p:ext>
     </p:extLst>
   </p:cSld>
@@ -6469,4 +7346,299 @@
     </a:ext>
   </a:extLst>
 </a:theme>
+</file>
+
+<file path=ppt/theme/theme2.xml><?xml version="1.0" encoding="utf-8"?>
+<a:theme xmlns:a="http://schemas.openxmlformats.org/drawingml/2006/main" name="Office Theme">
+  <a:themeElements>
+    <a:clrScheme name="Office">
+      <a:dk1>
+        <a:sysClr val="windowText" lastClr="000000"/>
+      </a:dk1>
+      <a:lt1>
+        <a:sysClr val="window" lastClr="FFFFFF"/>
+      </a:lt1>
+      <a:dk2>
+        <a:srgbClr val="44546A"/>
+      </a:dk2>
+      <a:lt2>
+        <a:srgbClr val="E7E6E6"/>
+      </a:lt2>
+      <a:accent1>
+        <a:srgbClr val="5B9BD5"/>
+      </a:accent1>
+      <a:accent2>
+        <a:srgbClr val="ED7D31"/>
+      </a:accent2>
+      <a:accent3>
+        <a:srgbClr val="A5A5A5"/>
+      </a:accent3>
+      <a:accent4>
+        <a:srgbClr val="FFC000"/>
+      </a:accent4>
+      <a:accent5>
+        <a:srgbClr val="4472C4"/>
+      </a:accent5>
+      <a:accent6>
+        <a:srgbClr val="70AD47"/>
+      </a:accent6>
+      <a:hlink>
+        <a:srgbClr val="0563C1"/>
+      </a:hlink>
+      <a:folHlink>
+        <a:srgbClr val="954F72"/>
+      </a:folHlink>
+    </a:clrScheme>
+    <a:fontScheme name="Office">
+      <a:majorFont>
+        <a:latin typeface="Calibri Light" panose="020F0302020204030204"/>
+        <a:ea typeface=""/>
+        <a:cs typeface=""/>
+        <a:font script="Jpan" typeface="游ゴシック Light"/>
+        <a:font script="Hang" typeface="맑은 고딕"/>
+        <a:font script="Hans" typeface="等线 Light"/>
+        <a:font script="Hant" typeface="新細明體"/>
+        <a:font script="Arab" typeface="Times New Roman"/>
+        <a:font script="Hebr" typeface="Times New Roman"/>
+        <a:font script="Thai" typeface="Angsana New"/>
+        <a:font script="Ethi" typeface="Nyala"/>
+        <a:font script="Beng" typeface="Vrinda"/>
+        <a:font script="Gujr" typeface="Shruti"/>
+        <a:font script="Khmr" typeface="MoolBoran"/>
+        <a:font script="Knda" typeface="Tunga"/>
+        <a:font script="Guru" typeface="Raavi"/>
+        <a:font script="Cans" typeface="Euphemia"/>
+        <a:font script="Cher" typeface="Plantagenet Cherokee"/>
+        <a:font script="Yiii" typeface="Microsoft Yi Baiti"/>
+        <a:font script="Tibt" typeface="Microsoft Himalaya"/>
+        <a:font script="Thaa" typeface="MV Boli"/>
+        <a:font script="Deva" typeface="Mangal"/>
+        <a:font script="Telu" typeface="Gautami"/>
+        <a:font script="Taml" typeface="Latha"/>
+        <a:font script="Syrc" typeface="Estrangelo Edessa"/>
+        <a:font script="Orya" typeface="Kalinga"/>
+        <a:font script="Mlym" typeface="Kartika"/>
+        <a:font script="Laoo" typeface="DokChampa"/>
+        <a:font script="Sinh" typeface="Iskoola Pota"/>
+        <a:font script="Mong" typeface="Mongolian Baiti"/>
+        <a:font script="Viet" typeface="Times New Roman"/>
+        <a:font script="Uigh" typeface="Microsoft Uighur"/>
+        <a:font script="Geor" typeface="Sylfaen"/>
+        <a:font script="Armn" typeface="Arial"/>
+        <a:font script="Bugi" typeface="Leelawadee UI"/>
+        <a:font script="Bopo" typeface="Microsoft JhengHei"/>
+        <a:font script="Java" typeface="Javanese Text"/>
+        <a:font script="Lisu" typeface="Segoe UI"/>
+        <a:font script="Mymr" typeface="Myanmar Text"/>
+        <a:font script="Nkoo" typeface="Ebrima"/>
+        <a:font script="Olck" typeface="Nirmala UI"/>
+        <a:font script="Osma" typeface="Ebrima"/>
+        <a:font script="Phag" typeface="Phagspa"/>
+        <a:font script="Syrn" typeface="Estrangelo Edessa"/>
+        <a:font script="Syrj" typeface="Estrangelo Edessa"/>
+        <a:font script="Syre" typeface="Estrangelo Edessa"/>
+        <a:font script="Sora" typeface="Nirmala UI"/>
+        <a:font script="Tale" typeface="Microsoft Tai Le"/>
+        <a:font script="Talu" typeface="Microsoft New Tai Lue"/>
+        <a:font script="Tfng" typeface="Ebrima"/>
+      </a:majorFont>
+      <a:minorFont>
+        <a:latin typeface="Calibri" panose="020F0502020204030204"/>
+        <a:ea typeface=""/>
+        <a:cs typeface=""/>
+        <a:font script="Jpan" typeface="游ゴシック"/>
+        <a:font script="Hang" typeface="맑은 고딕"/>
+        <a:font script="Hans" typeface="等线"/>
+        <a:font script="Hant" typeface="新細明體"/>
+        <a:font script="Arab" typeface="Arial"/>
+        <a:font script="Hebr" typeface="Arial"/>
+        <a:font script="Thai" typeface="Cordia New"/>
+        <a:font script="Ethi" typeface="Nyala"/>
+        <a:font script="Beng" typeface="Vrinda"/>
+        <a:font script="Gujr" typeface="Shruti"/>
+        <a:font script="Khmr" typeface="DaunPenh"/>
+        <a:font script="Knda" typeface="Tunga"/>
+        <a:font script="Guru" typeface="Raavi"/>
+        <a:font script="Cans" typeface="Euphemia"/>
+        <a:font script="Cher" typeface="Plantagenet Cherokee"/>
+        <a:font script="Yiii" typeface="Microsoft Yi Baiti"/>
+        <a:font script="Tibt" typeface="Microsoft Himalaya"/>
+        <a:font script="Thaa" typeface="MV Boli"/>
+        <a:font script="Deva" typeface="Mangal"/>
+        <a:font script="Telu" typeface="Gautami"/>
+        <a:font script="Taml" typeface="Latha"/>
+        <a:font script="Syrc" typeface="Estrangelo Edessa"/>
+        <a:font script="Orya" typeface="Kalinga"/>
+        <a:font script="Mlym" typeface="Kartika"/>
+        <a:font script="Laoo" typeface="DokChampa"/>
+        <a:font script="Sinh" typeface="Iskoola Pota"/>
+        <a:font script="Mong" typeface="Mongolian Baiti"/>
+        <a:font script="Viet" typeface="Arial"/>
+        <a:font script="Uigh" typeface="Microsoft Uighur"/>
+        <a:font script="Geor" typeface="Sylfaen"/>
+        <a:font script="Armn" typeface="Arial"/>
+        <a:font script="Bugi" typeface="Leelawadee UI"/>
+        <a:font script="Bopo" typeface="Microsoft JhengHei"/>
+        <a:font script="Java" typeface="Javanese Text"/>
+        <a:font script="Lisu" typeface="Segoe UI"/>
+        <a:font script="Mymr" typeface="Myanmar Text"/>
+        <a:font script="Nkoo" typeface="Ebrima"/>
+        <a:font script="Olck" typeface="Nirmala UI"/>
+        <a:font script="Osma" typeface="Ebrima"/>
+        <a:font script="Phag" typeface="Phagspa"/>
+        <a:font script="Syrn" typeface="Estrangelo Edessa"/>
+        <a:font script="Syrj" typeface="Estrangelo Edessa"/>
+        <a:font script="Syre" typeface="Estrangelo Edessa"/>
+        <a:font script="Sora" typeface="Nirmala UI"/>
+        <a:font script="Tale" typeface="Microsoft Tai Le"/>
+        <a:font script="Talu" typeface="Microsoft New Tai Lue"/>
+        <a:font script="Tfng" typeface="Ebrima"/>
+      </a:minorFont>
+    </a:fontScheme>
+    <a:fmtScheme name="Office">
+      <a:fillStyleLst>
+        <a:solidFill>
+          <a:schemeClr val="phClr"/>
+        </a:solidFill>
+        <a:gradFill rotWithShape="1">
+          <a:gsLst>
+            <a:gs pos="0">
+              <a:schemeClr val="phClr">
+                <a:lumMod val="110000"/>
+                <a:satMod val="105000"/>
+                <a:tint val="67000"/>
+              </a:schemeClr>
+            </a:gs>
+            <a:gs pos="50000">
+              <a:schemeClr val="phClr">
+                <a:lumMod val="105000"/>
+                <a:satMod val="103000"/>
+                <a:tint val="73000"/>
+              </a:schemeClr>
+            </a:gs>
+            <a:gs pos="100000">
+              <a:schemeClr val="phClr">
+                <a:lumMod val="105000"/>
+                <a:satMod val="109000"/>
+                <a:tint val="81000"/>
+              </a:schemeClr>
+            </a:gs>
+          </a:gsLst>
+          <a:lin ang="5400000" scaled="0"/>
+        </a:gradFill>
+        <a:gradFill rotWithShape="1">
+          <a:gsLst>
+            <a:gs pos="0">
+              <a:schemeClr val="phClr">
+                <a:satMod val="103000"/>
+                <a:lumMod val="102000"/>
+                <a:tint val="94000"/>
+              </a:schemeClr>
+            </a:gs>
+            <a:gs pos="50000">
+              <a:schemeClr val="phClr">
+                <a:satMod val="110000"/>
+                <a:lumMod val="100000"/>
+                <a:shade val="100000"/>
+              </a:schemeClr>
+            </a:gs>
+            <a:gs pos="100000">
+              <a:schemeClr val="phClr">
+                <a:lumMod val="99000"/>
+                <a:satMod val="120000"/>
+                <a:shade val="78000"/>
+              </a:schemeClr>
+            </a:gs>
+          </a:gsLst>
+          <a:lin ang="5400000" scaled="0"/>
+        </a:gradFill>
+      </a:fillStyleLst>
+      <a:lnStyleLst>
+        <a:ln w="6350" cap="flat" cmpd="sng" algn="ctr">
+          <a:solidFill>
+            <a:schemeClr val="phClr"/>
+          </a:solidFill>
+          <a:prstDash val="solid"/>
+          <a:miter lim="800000"/>
+        </a:ln>
+        <a:ln w="12700" cap="flat" cmpd="sng" algn="ctr">
+          <a:solidFill>
+            <a:schemeClr val="phClr"/>
+          </a:solidFill>
+          <a:prstDash val="solid"/>
+          <a:miter lim="800000"/>
+        </a:ln>
+        <a:ln w="19050" cap="flat" cmpd="sng" algn="ctr">
+          <a:solidFill>
+            <a:schemeClr val="phClr"/>
+          </a:solidFill>
+          <a:prstDash val="solid"/>
+          <a:miter lim="800000"/>
+        </a:ln>
+      </a:lnStyleLst>
+      <a:effectStyleLst>
+        <a:effectStyle>
+          <a:effectLst/>
+        </a:effectStyle>
+        <a:effectStyle>
+          <a:effectLst/>
+        </a:effectStyle>
+        <a:effectStyle>
+          <a:effectLst>
+            <a:outerShdw blurRad="57150" dist="19050" dir="5400000" algn="ctr" rotWithShape="0">
+              <a:srgbClr val="000000">
+                <a:alpha val="63000"/>
+              </a:srgbClr>
+            </a:outerShdw>
+          </a:effectLst>
+        </a:effectStyle>
+      </a:effectStyleLst>
+      <a:bgFillStyleLst>
+        <a:solidFill>
+          <a:schemeClr val="phClr"/>
+        </a:solidFill>
+        <a:solidFill>
+          <a:schemeClr val="phClr">
+            <a:tint val="95000"/>
+            <a:satMod val="170000"/>
+          </a:schemeClr>
+        </a:solidFill>
+        <a:gradFill rotWithShape="1">
+          <a:gsLst>
+            <a:gs pos="0">
+              <a:schemeClr val="phClr">
+                <a:tint val="93000"/>
+                <a:satMod val="150000"/>
+                <a:shade val="98000"/>
+                <a:lumMod val="102000"/>
+              </a:schemeClr>
+            </a:gs>
+            <a:gs pos="50000">
+              <a:schemeClr val="phClr">
+                <a:tint val="98000"/>
+                <a:satMod val="130000"/>
+                <a:shade val="90000"/>
+                <a:lumMod val="103000"/>
+              </a:schemeClr>
+            </a:gs>
+            <a:gs pos="100000">
+              <a:schemeClr val="phClr">
+                <a:shade val="63000"/>
+                <a:satMod val="120000"/>
+              </a:schemeClr>
+            </a:gs>
+          </a:gsLst>
+          <a:lin ang="5400000" scaled="0"/>
+        </a:gradFill>
+      </a:bgFillStyleLst>
+    </a:fmtScheme>
+  </a:themeElements>
+  <a:objectDefaults/>
+  <a:extraClrSchemeLst/>
+  <a:extLst>
+    <a:ext uri="{05A4C25C-085E-4340-85A3-A5531E510DB2}">
+      <thm15:themeFamily xmlns:thm15="http://schemas.microsoft.com/office/thememl/2012/main" name="Office Theme" id="{62F939B6-93AF-4DB8-9C6B-D6C7DFDC589F}" vid="{4A3C46E8-61CC-4603-A589-7422A47A8E4A}"/>
+    </a:ext>
+  </a:extLst>
+</a:theme>
 </file>
--- a/Proposal/Slides.pptx
+++ b/Proposal/Slides.pptx
@@ -115,6 +115,11 @@
       </a:defRPr>
     </a:lvl9pPr>
   </p:defaultTextStyle>
+  <p:extLst>
+    <p:ext uri="{EFAFB233-063F-42B5-8137-9DF3F51BA10A}">
+      <p15:sldGuideLst xmlns:p15="http://schemas.microsoft.com/office/powerpoint/2012/main"/>
+    </p:ext>
+  </p:extLst>
 </p:presentation>
 </file>
 
@@ -6444,7 +6449,7 @@
           <a:p>
             <a:r>
               <a:rPr lang="en-GB" dirty="0"/>
-              <a:t>Companion AI Tool</a:t>
+              <a:t>Companion Animal AI</a:t>
             </a:r>
           </a:p>
         </p:txBody>

--- a/Proposal/Slides.pptx
+++ b/Proposal/Slides.pptx
@@ -5,18 +5,25 @@
     <p:sldMasterId id="2147483677" r:id="rId1"/>
   </p:sldMasterIdLst>
   <p:notesMasterIdLst>
-    <p:notesMasterId r:id="rId11"/>
+    <p:notesMasterId r:id="rId18"/>
   </p:notesMasterIdLst>
   <p:sldIdLst>
     <p:sldId id="261" r:id="rId2"/>
-    <p:sldId id="256" r:id="rId3"/>
-    <p:sldId id="262" r:id="rId4"/>
-    <p:sldId id="257" r:id="rId5"/>
-    <p:sldId id="258" r:id="rId6"/>
-    <p:sldId id="259" r:id="rId7"/>
-    <p:sldId id="260" r:id="rId8"/>
-    <p:sldId id="263" r:id="rId9"/>
-    <p:sldId id="264" r:id="rId10"/>
+    <p:sldId id="265" r:id="rId3"/>
+    <p:sldId id="266" r:id="rId4"/>
+    <p:sldId id="267" r:id="rId5"/>
+    <p:sldId id="268" r:id="rId6"/>
+    <p:sldId id="269" r:id="rId7"/>
+    <p:sldId id="270" r:id="rId8"/>
+    <p:sldId id="262" r:id="rId9"/>
+    <p:sldId id="257" r:id="rId10"/>
+    <p:sldId id="258" r:id="rId11"/>
+    <p:sldId id="259" r:id="rId12"/>
+    <p:sldId id="260" r:id="rId13"/>
+    <p:sldId id="263" r:id="rId14"/>
+    <p:sldId id="264" r:id="rId15"/>
+    <p:sldId id="272" r:id="rId16"/>
+    <p:sldId id="271" r:id="rId17"/>
   </p:sldIdLst>
   <p:sldSz cx="12192000" cy="6858000"/>
   <p:notesSz cx="6858000" cy="9144000"/>
@@ -205,7 +212,7 @@
           <a:p>
             <a:fld id="{49A2A984-873E-495B-8DA5-FA2F86388A05}" type="datetimeFigureOut">
               <a:rPr lang="en-GB" smtClean="0"/>
-              <a:t>04/12/2016</a:t>
+              <a:t>05/12/2016</a:t>
             </a:fld>
             <a:endParaRPr lang="en-GB"/>
           </a:p>
@@ -538,7 +545,7 @@
           <a:p>
             <a:fld id="{47E383E0-8307-4E64-8B16-F00514BB0A3D}" type="slidenum">
               <a:rPr lang="en-GB" smtClean="0"/>
-              <a:t>5</a:t>
+              <a:t>10</a:t>
             </a:fld>
             <a:endParaRPr lang="en-GB"/>
           </a:p>
@@ -1302,7 +1309,7 @@
           <a:p>
             <a:fld id="{85D10F18-F7ED-45C5-9CFE-B6F167002446}" type="datetimeFigureOut">
               <a:rPr lang="en-GB" smtClean="0"/>
-              <a:t>04/12/2016</a:t>
+              <a:t>05/12/2016</a:t>
             </a:fld>
             <a:endParaRPr lang="en-GB"/>
           </a:p>
@@ -1553,7 +1560,7 @@
           <a:p>
             <a:fld id="{85D10F18-F7ED-45C5-9CFE-B6F167002446}" type="datetimeFigureOut">
               <a:rPr lang="en-GB" smtClean="0"/>
-              <a:t>04/12/2016</a:t>
+              <a:t>05/12/2016</a:t>
             </a:fld>
             <a:endParaRPr lang="en-GB"/>
           </a:p>
@@ -1867,7 +1874,7 @@
           <a:p>
             <a:fld id="{85D10F18-F7ED-45C5-9CFE-B6F167002446}" type="datetimeFigureOut">
               <a:rPr lang="en-GB" smtClean="0"/>
-              <a:t>04/12/2016</a:t>
+              <a:t>05/12/2016</a:t>
             </a:fld>
             <a:endParaRPr lang="en-GB"/>
           </a:p>
@@ -2200,7 +2207,7 @@
           <a:p>
             <a:fld id="{85D10F18-F7ED-45C5-9CFE-B6F167002446}" type="datetimeFigureOut">
               <a:rPr lang="en-GB" smtClean="0"/>
-              <a:t>04/12/2016</a:t>
+              <a:t>05/12/2016</a:t>
             </a:fld>
             <a:endParaRPr lang="en-GB"/>
           </a:p>
@@ -2514,7 +2521,7 @@
           <a:p>
             <a:fld id="{85D10F18-F7ED-45C5-9CFE-B6F167002446}" type="datetimeFigureOut">
               <a:rPr lang="en-GB" smtClean="0"/>
-              <a:t>04/12/2016</a:t>
+              <a:t>05/12/2016</a:t>
             </a:fld>
             <a:endParaRPr lang="en-GB"/>
           </a:p>
@@ -2907,7 +2914,7 @@
           <a:p>
             <a:fld id="{85D10F18-F7ED-45C5-9CFE-B6F167002446}" type="datetimeFigureOut">
               <a:rPr lang="en-GB" smtClean="0"/>
-              <a:t>04/12/2016</a:t>
+              <a:t>05/12/2016</a:t>
             </a:fld>
             <a:endParaRPr lang="en-GB"/>
           </a:p>
@@ -3077,7 +3084,7 @@
           <a:p>
             <a:fld id="{85D10F18-F7ED-45C5-9CFE-B6F167002446}" type="datetimeFigureOut">
               <a:rPr lang="en-GB" smtClean="0"/>
-              <a:t>04/12/2016</a:t>
+              <a:t>05/12/2016</a:t>
             </a:fld>
             <a:endParaRPr lang="en-GB"/>
           </a:p>
@@ -3257,7 +3264,7 @@
           <a:p>
             <a:fld id="{85D10F18-F7ED-45C5-9CFE-B6F167002446}" type="datetimeFigureOut">
               <a:rPr lang="en-GB" smtClean="0"/>
-              <a:t>04/12/2016</a:t>
+              <a:t>05/12/2016</a:t>
             </a:fld>
             <a:endParaRPr lang="en-GB"/>
           </a:p>
@@ -3427,7 +3434,7 @@
           <a:p>
             <a:fld id="{85D10F18-F7ED-45C5-9CFE-B6F167002446}" type="datetimeFigureOut">
               <a:rPr lang="en-GB" smtClean="0"/>
-              <a:t>04/12/2016</a:t>
+              <a:t>05/12/2016</a:t>
             </a:fld>
             <a:endParaRPr lang="en-GB"/>
           </a:p>
@@ -3674,7 +3681,7 @@
           <a:p>
             <a:fld id="{85D10F18-F7ED-45C5-9CFE-B6F167002446}" type="datetimeFigureOut">
               <a:rPr lang="en-GB" smtClean="0"/>
-              <a:t>04/12/2016</a:t>
+              <a:t>05/12/2016</a:t>
             </a:fld>
             <a:endParaRPr lang="en-GB"/>
           </a:p>
@@ -3906,7 +3913,7 @@
           <a:p>
             <a:fld id="{85D10F18-F7ED-45C5-9CFE-B6F167002446}" type="datetimeFigureOut">
               <a:rPr lang="en-GB" smtClean="0"/>
-              <a:t>04/12/2016</a:t>
+              <a:t>05/12/2016</a:t>
             </a:fld>
             <a:endParaRPr lang="en-GB"/>
           </a:p>
@@ -4280,7 +4287,7 @@
           <a:p>
             <a:fld id="{85D10F18-F7ED-45C5-9CFE-B6F167002446}" type="datetimeFigureOut">
               <a:rPr lang="en-GB" smtClean="0"/>
-              <a:t>04/12/2016</a:t>
+              <a:t>05/12/2016</a:t>
             </a:fld>
             <a:endParaRPr lang="en-GB"/>
           </a:p>
@@ -4403,7 +4410,7 @@
           <a:p>
             <a:fld id="{85D10F18-F7ED-45C5-9CFE-B6F167002446}" type="datetimeFigureOut">
               <a:rPr lang="en-GB" smtClean="0"/>
-              <a:t>04/12/2016</a:t>
+              <a:t>05/12/2016</a:t>
             </a:fld>
             <a:endParaRPr lang="en-GB"/>
           </a:p>
@@ -4498,7 +4505,7 @@
           <a:p>
             <a:fld id="{85D10F18-F7ED-45C5-9CFE-B6F167002446}" type="datetimeFigureOut">
               <a:rPr lang="en-GB" smtClean="0"/>
-              <a:t>04/12/2016</a:t>
+              <a:t>05/12/2016</a:t>
             </a:fld>
             <a:endParaRPr lang="en-GB"/>
           </a:p>
@@ -4753,7 +4760,7 @@
           <a:p>
             <a:fld id="{85D10F18-F7ED-45C5-9CFE-B6F167002446}" type="datetimeFigureOut">
               <a:rPr lang="en-GB" smtClean="0"/>
-              <a:t>04/12/2016</a:t>
+              <a:t>05/12/2016</a:t>
             </a:fld>
             <a:endParaRPr lang="en-GB"/>
           </a:p>
@@ -5058,7 +5065,7 @@
           <a:p>
             <a:fld id="{85D10F18-F7ED-45C5-9CFE-B6F167002446}" type="datetimeFigureOut">
               <a:rPr lang="en-GB" smtClean="0"/>
-              <a:t>04/12/2016</a:t>
+              <a:t>05/12/2016</a:t>
             </a:fld>
             <a:endParaRPr lang="en-GB"/>
           </a:p>
@@ -5760,7 +5767,7 @@
           <a:p>
             <a:fld id="{85D10F18-F7ED-45C5-9CFE-B6F167002446}" type="datetimeFigureOut">
               <a:rPr lang="en-GB" smtClean="0"/>
-              <a:t>04/12/2016</a:t>
+              <a:t>05/12/2016</a:t>
             </a:fld>
             <a:endParaRPr lang="en-GB"/>
           </a:p>
@@ -6341,269 +6348,7 @@
 </p:sld>
 </file>
 
-<file path=ppt/slides/slide2.xml><?xml version="1.0" encoding="utf-8"?>
-<p:sld xmlns:a="http://schemas.openxmlformats.org/drawingml/2006/main" xmlns:r="http://schemas.openxmlformats.org/officeDocument/2006/relationships" xmlns:p="http://schemas.openxmlformats.org/presentationml/2006/main">
-  <p:cSld>
-    <p:spTree>
-      <p:nvGrpSpPr>
-        <p:cNvPr id="1" name=""/>
-        <p:cNvGrpSpPr/>
-        <p:nvPr/>
-      </p:nvGrpSpPr>
-      <p:grpSpPr>
-        <a:xfrm>
-          <a:off x="0" y="0"/>
-          <a:ext cx="0" cy="0"/>
-          <a:chOff x="0" y="0"/>
-          <a:chExt cx="0" cy="0"/>
-        </a:xfrm>
-      </p:grpSpPr>
-      <p:sp>
-        <p:nvSpPr>
-          <p:cNvPr id="2" name="Title 1"/>
-          <p:cNvSpPr>
-            <a:spLocks noGrp="1"/>
-          </p:cNvSpPr>
-          <p:nvPr>
-            <p:ph type="ctrTitle"/>
-          </p:nvPr>
-        </p:nvSpPr>
-        <p:spPr/>
-        <p:txBody>
-          <a:bodyPr/>
-          <a:lstStyle/>
-          <a:p>
-            <a:r>
-              <a:rPr lang="en-GB" dirty="0"/>
-              <a:t>PCG Navigable Mountains</a:t>
-            </a:r>
-          </a:p>
-        </p:txBody>
-      </p:sp>
-      <p:sp>
-        <p:nvSpPr>
-          <p:cNvPr id="3" name="Subtitle 2"/>
-          <p:cNvSpPr>
-            <a:spLocks noGrp="1"/>
-          </p:cNvSpPr>
-          <p:nvPr>
-            <p:ph type="subTitle" idx="1"/>
-          </p:nvPr>
-        </p:nvSpPr>
-        <p:spPr/>
-        <p:txBody>
-          <a:bodyPr/>
-          <a:lstStyle/>
-          <a:p>
-            <a:r>
-              <a:rPr lang="en-GB" dirty="0"/>
-              <a:t>COMP230 Component</a:t>
-            </a:r>
-          </a:p>
-        </p:txBody>
-      </p:sp>
-    </p:spTree>
-    <p:extLst>
-      <p:ext uri="{BB962C8B-B14F-4D97-AF65-F5344CB8AC3E}">
-        <p14:creationId xmlns:p14="http://schemas.microsoft.com/office/powerpoint/2010/main" val="4087722340"/>
-      </p:ext>
-    </p:extLst>
-  </p:cSld>
-  <p:clrMapOvr>
-    <a:masterClrMapping/>
-  </p:clrMapOvr>
-</p:sld>
-</file>
-
-<file path=ppt/slides/slide3.xml><?xml version="1.0" encoding="utf-8"?>
-<p:sld xmlns:a="http://schemas.openxmlformats.org/drawingml/2006/main" xmlns:r="http://schemas.openxmlformats.org/officeDocument/2006/relationships" xmlns:p="http://schemas.openxmlformats.org/presentationml/2006/main">
-  <p:cSld>
-    <p:spTree>
-      <p:nvGrpSpPr>
-        <p:cNvPr id="1" name=""/>
-        <p:cNvGrpSpPr/>
-        <p:nvPr/>
-      </p:nvGrpSpPr>
-      <p:grpSpPr>
-        <a:xfrm>
-          <a:off x="0" y="0"/>
-          <a:ext cx="0" cy="0"/>
-          <a:chOff x="0" y="0"/>
-          <a:chExt cx="0" cy="0"/>
-        </a:xfrm>
-      </p:grpSpPr>
-      <p:sp>
-        <p:nvSpPr>
-          <p:cNvPr id="2" name="Title 1"/>
-          <p:cNvSpPr>
-            <a:spLocks noGrp="1"/>
-          </p:cNvSpPr>
-          <p:nvPr>
-            <p:ph type="ctrTitle"/>
-          </p:nvPr>
-        </p:nvSpPr>
-        <p:spPr/>
-        <p:txBody>
-          <a:bodyPr/>
-          <a:lstStyle/>
-          <a:p>
-            <a:r>
-              <a:rPr lang="en-GB" dirty="0"/>
-              <a:t>Companion Animal AI</a:t>
-            </a:r>
-          </a:p>
-        </p:txBody>
-      </p:sp>
-      <p:sp>
-        <p:nvSpPr>
-          <p:cNvPr id="3" name="Subtitle 2"/>
-          <p:cNvSpPr>
-            <a:spLocks noGrp="1"/>
-          </p:cNvSpPr>
-          <p:nvPr>
-            <p:ph type="subTitle" idx="1"/>
-          </p:nvPr>
-        </p:nvSpPr>
-        <p:spPr/>
-        <p:txBody>
-          <a:bodyPr/>
-          <a:lstStyle/>
-          <a:p>
-            <a:r>
-              <a:rPr lang="en-GB" dirty="0"/>
-              <a:t>COMP230 Component</a:t>
-            </a:r>
-          </a:p>
-        </p:txBody>
-      </p:sp>
-    </p:spTree>
-    <p:extLst>
-      <p:ext uri="{BB962C8B-B14F-4D97-AF65-F5344CB8AC3E}">
-        <p14:creationId xmlns:p14="http://schemas.microsoft.com/office/powerpoint/2010/main" val="3386302008"/>
-      </p:ext>
-    </p:extLst>
-  </p:cSld>
-  <p:clrMapOvr>
-    <a:masterClrMapping/>
-  </p:clrMapOvr>
-</p:sld>
-</file>
-
-<file path=ppt/slides/slide4.xml><?xml version="1.0" encoding="utf-8"?>
-<p:sld xmlns:a="http://schemas.openxmlformats.org/drawingml/2006/main" xmlns:r="http://schemas.openxmlformats.org/officeDocument/2006/relationships" xmlns:p="http://schemas.openxmlformats.org/presentationml/2006/main">
-  <p:cSld>
-    <p:spTree>
-      <p:nvGrpSpPr>
-        <p:cNvPr id="1" name=""/>
-        <p:cNvGrpSpPr/>
-        <p:nvPr/>
-      </p:nvGrpSpPr>
-      <p:grpSpPr>
-        <a:xfrm>
-          <a:off x="0" y="0"/>
-          <a:ext cx="0" cy="0"/>
-          <a:chOff x="0" y="0"/>
-          <a:chExt cx="0" cy="0"/>
-        </a:xfrm>
-      </p:grpSpPr>
-      <p:sp>
-        <p:nvSpPr>
-          <p:cNvPr id="2" name="Title 1"/>
-          <p:cNvSpPr>
-            <a:spLocks noGrp="1"/>
-          </p:cNvSpPr>
-          <p:nvPr>
-            <p:ph type="title"/>
-          </p:nvPr>
-        </p:nvSpPr>
-        <p:spPr/>
-        <p:txBody>
-          <a:bodyPr/>
-          <a:lstStyle/>
-          <a:p>
-            <a:r>
-              <a:rPr lang="en-GB" dirty="0"/>
-              <a:t>Companion AI </a:t>
-            </a:r>
-          </a:p>
-        </p:txBody>
-      </p:sp>
-      <p:sp>
-        <p:nvSpPr>
-          <p:cNvPr id="3" name="Content Placeholder 2"/>
-          <p:cNvSpPr>
-            <a:spLocks noGrp="1"/>
-          </p:cNvSpPr>
-          <p:nvPr>
-            <p:ph idx="1"/>
-          </p:nvPr>
-        </p:nvSpPr>
-        <p:spPr/>
-        <p:txBody>
-          <a:bodyPr>
-            <a:normAutofit/>
-          </a:bodyPr>
-          <a:lstStyle/>
-          <a:p>
-            <a:pPr>
-              <a:lnSpc>
-                <a:spcPct val="150000"/>
-              </a:lnSpc>
-            </a:pPr>
-            <a:r>
-              <a:rPr lang="en-GB" sz="2000" dirty="0"/>
-              <a:t>Using a behaviour tree</a:t>
-            </a:r>
-          </a:p>
-          <a:p>
-            <a:pPr>
-              <a:lnSpc>
-                <a:spcPct val="150000"/>
-              </a:lnSpc>
-            </a:pPr>
-            <a:r>
-              <a:rPr lang="en-GB" sz="2000" dirty="0"/>
-              <a:t>Should be adaptable to most animals</a:t>
-            </a:r>
-          </a:p>
-          <a:p>
-            <a:pPr lvl="1">
-              <a:lnSpc>
-                <a:spcPct val="150000"/>
-              </a:lnSpc>
-            </a:pPr>
-            <a:r>
-              <a:rPr lang="en-GB" sz="1800" dirty="0"/>
-              <a:t>My version currently designed for falcons</a:t>
-            </a:r>
-          </a:p>
-          <a:p>
-            <a:pPr>
-              <a:lnSpc>
-                <a:spcPct val="150000"/>
-              </a:lnSpc>
-            </a:pPr>
-            <a:r>
-              <a:rPr lang="en-GB" sz="2000" dirty="0"/>
-              <a:t>Easy to add, remove and alter branches</a:t>
-            </a:r>
-          </a:p>
-        </p:txBody>
-      </p:sp>
-    </p:spTree>
-    <p:extLst>
-      <p:ext uri="{BB962C8B-B14F-4D97-AF65-F5344CB8AC3E}">
-        <p14:creationId xmlns:p14="http://schemas.microsoft.com/office/powerpoint/2010/main" val="2178287929"/>
-      </p:ext>
-    </p:extLst>
-  </p:cSld>
-  <p:clrMapOvr>
-    <a:masterClrMapping/>
-  </p:clrMapOvr>
-</p:sld>
-</file>
-
-<file path=ppt/slides/slide5.xml><?xml version="1.0" encoding="utf-8"?>
+<file path=ppt/slides/slide10.xml><?xml version="1.0" encoding="utf-8"?>
 <p:sld xmlns:a="http://schemas.openxmlformats.org/drawingml/2006/main" xmlns:r="http://schemas.openxmlformats.org/officeDocument/2006/relationships" xmlns:p="http://schemas.openxmlformats.org/presentationml/2006/main">
   <p:cSld>
     <p:spTree>
@@ -6684,6 +6429,928 @@
 </p:sld>
 </file>
 
+<file path=ppt/slides/slide11.xml><?xml version="1.0" encoding="utf-8"?>
+<p:sld xmlns:a="http://schemas.openxmlformats.org/drawingml/2006/main" xmlns:r="http://schemas.openxmlformats.org/officeDocument/2006/relationships" xmlns:p="http://schemas.openxmlformats.org/presentationml/2006/main">
+  <p:cSld>
+    <p:spTree>
+      <p:nvGrpSpPr>
+        <p:cNvPr id="1" name=""/>
+        <p:cNvGrpSpPr/>
+        <p:nvPr/>
+      </p:nvGrpSpPr>
+      <p:grpSpPr>
+        <a:xfrm>
+          <a:off x="0" y="0"/>
+          <a:ext cx="0" cy="0"/>
+          <a:chOff x="0" y="0"/>
+          <a:chExt cx="0" cy="0"/>
+        </a:xfrm>
+      </p:grpSpPr>
+      <p:sp>
+        <p:nvSpPr>
+          <p:cNvPr id="2" name="Title 1"/>
+          <p:cNvSpPr>
+            <a:spLocks noGrp="1"/>
+          </p:cNvSpPr>
+          <p:nvPr>
+            <p:ph type="title"/>
+          </p:nvPr>
+        </p:nvSpPr>
+        <p:spPr/>
+        <p:txBody>
+          <a:bodyPr/>
+          <a:lstStyle/>
+          <a:p>
+            <a:r>
+              <a:rPr lang="en-GB" dirty="0"/>
+              <a:t>Scope</a:t>
+            </a:r>
+          </a:p>
+        </p:txBody>
+      </p:sp>
+      <p:sp>
+        <p:nvSpPr>
+          <p:cNvPr id="3" name="Content Placeholder 2"/>
+          <p:cNvSpPr>
+            <a:spLocks noGrp="1"/>
+          </p:cNvSpPr>
+          <p:nvPr>
+            <p:ph idx="1"/>
+          </p:nvPr>
+        </p:nvSpPr>
+        <p:spPr/>
+        <p:txBody>
+          <a:bodyPr/>
+          <a:lstStyle/>
+          <a:p>
+            <a:pPr>
+              <a:lnSpc>
+                <a:spcPct val="150000"/>
+              </a:lnSpc>
+            </a:pPr>
+            <a:r>
+              <a:rPr lang="en-GB" dirty="0"/>
+              <a:t>Branches just call functions from companion</a:t>
+            </a:r>
+          </a:p>
+          <a:p>
+            <a:pPr lvl="1">
+              <a:lnSpc>
+                <a:spcPct val="150000"/>
+              </a:lnSpc>
+            </a:pPr>
+            <a:r>
+              <a:rPr lang="en-GB" dirty="0"/>
+              <a:t>Functions can easily be changed depending on companion animal</a:t>
+            </a:r>
+          </a:p>
+          <a:p>
+            <a:pPr>
+              <a:lnSpc>
+                <a:spcPct val="150000"/>
+              </a:lnSpc>
+            </a:pPr>
+            <a:r>
+              <a:rPr lang="en-GB" dirty="0"/>
+              <a:t>Once the base nodes are working adding and altering branches is easy</a:t>
+            </a:r>
+          </a:p>
+          <a:p>
+            <a:pPr>
+              <a:lnSpc>
+                <a:spcPct val="150000"/>
+              </a:lnSpc>
+            </a:pPr>
+            <a:r>
+              <a:rPr lang="en-GB" dirty="0"/>
+              <a:t>Scope depends on number of branches</a:t>
+            </a:r>
+          </a:p>
+          <a:p>
+            <a:pPr>
+              <a:lnSpc>
+                <a:spcPct val="150000"/>
+              </a:lnSpc>
+            </a:pPr>
+            <a:endParaRPr lang="en-GB" dirty="0"/>
+          </a:p>
+        </p:txBody>
+      </p:sp>
+    </p:spTree>
+    <p:extLst>
+      <p:ext uri="{BB962C8B-B14F-4D97-AF65-F5344CB8AC3E}">
+        <p14:creationId xmlns:p14="http://schemas.microsoft.com/office/powerpoint/2010/main" val="2978372015"/>
+      </p:ext>
+    </p:extLst>
+  </p:cSld>
+  <p:clrMapOvr>
+    <a:masterClrMapping/>
+  </p:clrMapOvr>
+</p:sld>
+</file>
+
+<file path=ppt/slides/slide12.xml><?xml version="1.0" encoding="utf-8"?>
+<p:sld xmlns:a="http://schemas.openxmlformats.org/drawingml/2006/main" xmlns:r="http://schemas.openxmlformats.org/officeDocument/2006/relationships" xmlns:p="http://schemas.openxmlformats.org/presentationml/2006/main">
+  <p:cSld>
+    <p:spTree>
+      <p:nvGrpSpPr>
+        <p:cNvPr id="1" name=""/>
+        <p:cNvGrpSpPr/>
+        <p:nvPr/>
+      </p:nvGrpSpPr>
+      <p:grpSpPr>
+        <a:xfrm>
+          <a:off x="0" y="0"/>
+          <a:ext cx="0" cy="0"/>
+          <a:chOff x="0" y="0"/>
+          <a:chExt cx="0" cy="0"/>
+        </a:xfrm>
+      </p:grpSpPr>
+      <p:sp>
+        <p:nvSpPr>
+          <p:cNvPr id="2" name="Title 1"/>
+          <p:cNvSpPr>
+            <a:spLocks noGrp="1"/>
+          </p:cNvSpPr>
+          <p:nvPr>
+            <p:ph type="title"/>
+          </p:nvPr>
+        </p:nvSpPr>
+        <p:spPr/>
+        <p:txBody>
+          <a:bodyPr/>
+          <a:lstStyle/>
+          <a:p>
+            <a:r>
+              <a:rPr lang="en-GB" dirty="0"/>
+              <a:t>Commercial Feasibility </a:t>
+            </a:r>
+          </a:p>
+        </p:txBody>
+      </p:sp>
+      <p:sp>
+        <p:nvSpPr>
+          <p:cNvPr id="3" name="Content Placeholder 2"/>
+          <p:cNvSpPr>
+            <a:spLocks noGrp="1"/>
+          </p:cNvSpPr>
+          <p:nvPr>
+            <p:ph idx="1"/>
+          </p:nvPr>
+        </p:nvSpPr>
+        <p:spPr/>
+        <p:txBody>
+          <a:bodyPr/>
+          <a:lstStyle/>
+          <a:p>
+            <a:pPr>
+              <a:lnSpc>
+                <a:spcPct val="250000"/>
+              </a:lnSpc>
+            </a:pPr>
+            <a:r>
+              <a:rPr lang="en-GB" dirty="0"/>
+              <a:t>Game making tool so could be sold on Unity Asset store</a:t>
+            </a:r>
+          </a:p>
+          <a:p>
+            <a:pPr>
+              <a:lnSpc>
+                <a:spcPct val="250000"/>
+              </a:lnSpc>
+            </a:pPr>
+            <a:r>
+              <a:rPr lang="en-GB" dirty="0"/>
+              <a:t>Best selling Unity Assets are normally $50+</a:t>
+            </a:r>
+          </a:p>
+          <a:p>
+            <a:pPr>
+              <a:lnSpc>
+                <a:spcPct val="250000"/>
+              </a:lnSpc>
+            </a:pPr>
+            <a:r>
+              <a:rPr lang="en-GB" dirty="0"/>
+              <a:t>Behaviour tree tool on Asset store are more general tools </a:t>
+            </a:r>
+          </a:p>
+          <a:p>
+            <a:pPr>
+              <a:lnSpc>
+                <a:spcPct val="250000"/>
+              </a:lnSpc>
+            </a:pPr>
+            <a:endParaRPr lang="en-GB" dirty="0"/>
+          </a:p>
+          <a:p>
+            <a:pPr>
+              <a:lnSpc>
+                <a:spcPct val="250000"/>
+              </a:lnSpc>
+            </a:pPr>
+            <a:endParaRPr lang="en-GB" dirty="0"/>
+          </a:p>
+        </p:txBody>
+      </p:sp>
+    </p:spTree>
+    <p:extLst>
+      <p:ext uri="{BB962C8B-B14F-4D97-AF65-F5344CB8AC3E}">
+        <p14:creationId xmlns:p14="http://schemas.microsoft.com/office/powerpoint/2010/main" val="1607881222"/>
+      </p:ext>
+    </p:extLst>
+  </p:cSld>
+  <p:clrMapOvr>
+    <a:masterClrMapping/>
+  </p:clrMapOvr>
+</p:sld>
+</file>
+
+<file path=ppt/slides/slide13.xml><?xml version="1.0" encoding="utf-8"?>
+<p:sld xmlns:a="http://schemas.openxmlformats.org/drawingml/2006/main" xmlns:r="http://schemas.openxmlformats.org/officeDocument/2006/relationships" xmlns:p="http://schemas.openxmlformats.org/presentationml/2006/main">
+  <p:cSld>
+    <p:spTree>
+      <p:nvGrpSpPr>
+        <p:cNvPr id="1" name=""/>
+        <p:cNvGrpSpPr/>
+        <p:nvPr/>
+      </p:nvGrpSpPr>
+      <p:grpSpPr>
+        <a:xfrm>
+          <a:off x="0" y="0"/>
+          <a:ext cx="0" cy="0"/>
+          <a:chOff x="0" y="0"/>
+          <a:chExt cx="0" cy="0"/>
+        </a:xfrm>
+      </p:grpSpPr>
+      <p:sp>
+        <p:nvSpPr>
+          <p:cNvPr id="2" name="Title 1"/>
+          <p:cNvSpPr>
+            <a:spLocks noGrp="1"/>
+          </p:cNvSpPr>
+          <p:nvPr>
+            <p:ph type="ctrTitle"/>
+          </p:nvPr>
+        </p:nvSpPr>
+        <p:spPr/>
+        <p:txBody>
+          <a:bodyPr/>
+          <a:lstStyle/>
+          <a:p>
+            <a:r>
+              <a:rPr lang="en-GB" dirty="0"/>
+              <a:t>Components Combined</a:t>
+            </a:r>
+          </a:p>
+        </p:txBody>
+      </p:sp>
+      <p:sp>
+        <p:nvSpPr>
+          <p:cNvPr id="3" name="Subtitle 2"/>
+          <p:cNvSpPr>
+            <a:spLocks noGrp="1"/>
+          </p:cNvSpPr>
+          <p:nvPr>
+            <p:ph type="subTitle" idx="1"/>
+          </p:nvPr>
+        </p:nvSpPr>
+        <p:spPr/>
+        <p:txBody>
+          <a:bodyPr/>
+          <a:lstStyle/>
+          <a:p>
+            <a:r>
+              <a:rPr lang="en-GB" dirty="0"/>
+              <a:t>COMP230 Component</a:t>
+            </a:r>
+          </a:p>
+        </p:txBody>
+      </p:sp>
+    </p:spTree>
+    <p:extLst>
+      <p:ext uri="{BB962C8B-B14F-4D97-AF65-F5344CB8AC3E}">
+        <p14:creationId xmlns:p14="http://schemas.microsoft.com/office/powerpoint/2010/main" val="1413069069"/>
+      </p:ext>
+    </p:extLst>
+  </p:cSld>
+  <p:clrMapOvr>
+    <a:masterClrMapping/>
+  </p:clrMapOvr>
+</p:sld>
+</file>
+
+<file path=ppt/slides/slide14.xml><?xml version="1.0" encoding="utf-8"?>
+<p:sld xmlns:a="http://schemas.openxmlformats.org/drawingml/2006/main" xmlns:r="http://schemas.openxmlformats.org/officeDocument/2006/relationships" xmlns:p="http://schemas.openxmlformats.org/presentationml/2006/main">
+  <p:cSld>
+    <p:spTree>
+      <p:nvGrpSpPr>
+        <p:cNvPr id="1" name=""/>
+        <p:cNvGrpSpPr/>
+        <p:nvPr/>
+      </p:nvGrpSpPr>
+      <p:grpSpPr>
+        <a:xfrm>
+          <a:off x="0" y="0"/>
+          <a:ext cx="0" cy="0"/>
+          <a:chOff x="0" y="0"/>
+          <a:chExt cx="0" cy="0"/>
+        </a:xfrm>
+      </p:grpSpPr>
+      <p:sp>
+        <p:nvSpPr>
+          <p:cNvPr id="2" name="Title 1"/>
+          <p:cNvSpPr>
+            <a:spLocks noGrp="1"/>
+          </p:cNvSpPr>
+          <p:nvPr>
+            <p:ph type="title"/>
+          </p:nvPr>
+        </p:nvSpPr>
+        <p:spPr/>
+        <p:txBody>
+          <a:bodyPr/>
+          <a:lstStyle/>
+          <a:p>
+            <a:r>
+              <a:rPr lang="en-GB" dirty="0"/>
+              <a:t>Pathfinding</a:t>
+            </a:r>
+          </a:p>
+        </p:txBody>
+      </p:sp>
+      <p:sp>
+        <p:nvSpPr>
+          <p:cNvPr id="3" name="Content Placeholder 2"/>
+          <p:cNvSpPr>
+            <a:spLocks noGrp="1"/>
+          </p:cNvSpPr>
+          <p:nvPr>
+            <p:ph idx="1"/>
+          </p:nvPr>
+        </p:nvSpPr>
+        <p:spPr/>
+        <p:txBody>
+          <a:bodyPr/>
+          <a:lstStyle/>
+          <a:p>
+            <a:pPr>
+              <a:lnSpc>
+                <a:spcPct val="200000"/>
+              </a:lnSpc>
+            </a:pPr>
+            <a:r>
+              <a:rPr lang="en-GB" dirty="0"/>
+              <a:t>Both components require pathfinding</a:t>
+            </a:r>
+          </a:p>
+          <a:p>
+            <a:pPr lvl="1">
+              <a:lnSpc>
+                <a:spcPct val="200000"/>
+              </a:lnSpc>
+            </a:pPr>
+            <a:r>
+              <a:rPr lang="en-GB" dirty="0"/>
+              <a:t>Paths generated with terrain can be passed into AI to guide player</a:t>
+            </a:r>
+          </a:p>
+          <a:p>
+            <a:pPr>
+              <a:lnSpc>
+                <a:spcPct val="200000"/>
+              </a:lnSpc>
+            </a:pPr>
+            <a:r>
+              <a:rPr lang="en-GB" dirty="0"/>
+              <a:t>AI will only find enemies and objects if player can reach them</a:t>
+            </a:r>
+          </a:p>
+        </p:txBody>
+      </p:sp>
+    </p:spTree>
+    <p:extLst>
+      <p:ext uri="{BB962C8B-B14F-4D97-AF65-F5344CB8AC3E}">
+        <p14:creationId xmlns:p14="http://schemas.microsoft.com/office/powerpoint/2010/main" val="2339563425"/>
+      </p:ext>
+    </p:extLst>
+  </p:cSld>
+  <p:clrMapOvr>
+    <a:masterClrMapping/>
+  </p:clrMapOvr>
+</p:sld>
+</file>
+
+<file path=ppt/slides/slide15.xml><?xml version="1.0" encoding="utf-8"?>
+<p:sld xmlns:a="http://schemas.openxmlformats.org/drawingml/2006/main" xmlns:r="http://schemas.openxmlformats.org/officeDocument/2006/relationships" xmlns:p="http://schemas.openxmlformats.org/presentationml/2006/main">
+  <p:cSld>
+    <p:spTree>
+      <p:nvGrpSpPr>
+        <p:cNvPr id="1" name=""/>
+        <p:cNvGrpSpPr/>
+        <p:nvPr/>
+      </p:nvGrpSpPr>
+      <p:grpSpPr>
+        <a:xfrm>
+          <a:off x="0" y="0"/>
+          <a:ext cx="0" cy="0"/>
+          <a:chOff x="0" y="0"/>
+          <a:chExt cx="0" cy="0"/>
+        </a:xfrm>
+      </p:grpSpPr>
+      <p:sp>
+        <p:nvSpPr>
+          <p:cNvPr id="2" name="Title 1"/>
+          <p:cNvSpPr>
+            <a:spLocks noGrp="1"/>
+          </p:cNvSpPr>
+          <p:nvPr>
+            <p:ph type="ctrTitle"/>
+          </p:nvPr>
+        </p:nvSpPr>
+        <p:spPr/>
+        <p:txBody>
+          <a:bodyPr/>
+          <a:lstStyle/>
+          <a:p>
+            <a:r>
+              <a:rPr lang="en-GB" dirty="0"/>
+              <a:t>Demo</a:t>
+            </a:r>
+          </a:p>
+        </p:txBody>
+      </p:sp>
+      <p:sp>
+        <p:nvSpPr>
+          <p:cNvPr id="3" name="Subtitle 2"/>
+          <p:cNvSpPr>
+            <a:spLocks noGrp="1"/>
+          </p:cNvSpPr>
+          <p:nvPr>
+            <p:ph type="subTitle" idx="1"/>
+          </p:nvPr>
+        </p:nvSpPr>
+        <p:spPr/>
+        <p:txBody>
+          <a:bodyPr/>
+          <a:lstStyle/>
+          <a:p>
+            <a:endParaRPr lang="en-GB"/>
+          </a:p>
+        </p:txBody>
+      </p:sp>
+    </p:spTree>
+    <p:extLst>
+      <p:ext uri="{BB962C8B-B14F-4D97-AF65-F5344CB8AC3E}">
+        <p14:creationId xmlns:p14="http://schemas.microsoft.com/office/powerpoint/2010/main" val="2168249203"/>
+      </p:ext>
+    </p:extLst>
+  </p:cSld>
+  <p:clrMapOvr>
+    <a:masterClrMapping/>
+  </p:clrMapOvr>
+</p:sld>
+</file>
+
+<file path=ppt/slides/slide16.xml><?xml version="1.0" encoding="utf-8"?>
+<p:sld xmlns:a="http://schemas.openxmlformats.org/drawingml/2006/main" xmlns:r="http://schemas.openxmlformats.org/officeDocument/2006/relationships" xmlns:p="http://schemas.openxmlformats.org/presentationml/2006/main">
+  <p:cSld>
+    <p:spTree>
+      <p:nvGrpSpPr>
+        <p:cNvPr id="1" name=""/>
+        <p:cNvGrpSpPr/>
+        <p:nvPr/>
+      </p:nvGrpSpPr>
+      <p:grpSpPr>
+        <a:xfrm>
+          <a:off x="0" y="0"/>
+          <a:ext cx="0" cy="0"/>
+          <a:chOff x="0" y="0"/>
+          <a:chExt cx="0" cy="0"/>
+        </a:xfrm>
+      </p:grpSpPr>
+      <p:sp>
+        <p:nvSpPr>
+          <p:cNvPr id="2" name="Title 1"/>
+          <p:cNvSpPr>
+            <a:spLocks noGrp="1"/>
+          </p:cNvSpPr>
+          <p:nvPr>
+            <p:ph type="ctrTitle"/>
+          </p:nvPr>
+        </p:nvSpPr>
+        <p:spPr/>
+        <p:txBody>
+          <a:bodyPr/>
+          <a:lstStyle/>
+          <a:p>
+            <a:r>
+              <a:rPr lang="en-GB"/>
+              <a:t>Questions</a:t>
+            </a:r>
+            <a:endParaRPr lang="en-GB"/>
+          </a:p>
+        </p:txBody>
+      </p:sp>
+      <p:sp>
+        <p:nvSpPr>
+          <p:cNvPr id="3" name="Subtitle 2"/>
+          <p:cNvSpPr>
+            <a:spLocks noGrp="1"/>
+          </p:cNvSpPr>
+          <p:nvPr>
+            <p:ph type="subTitle" idx="1"/>
+          </p:nvPr>
+        </p:nvSpPr>
+        <p:spPr/>
+        <p:txBody>
+          <a:bodyPr/>
+          <a:lstStyle/>
+          <a:p>
+            <a:endParaRPr lang="en-GB"/>
+          </a:p>
+        </p:txBody>
+      </p:sp>
+    </p:spTree>
+    <p:extLst>
+      <p:ext uri="{BB962C8B-B14F-4D97-AF65-F5344CB8AC3E}">
+        <p14:creationId xmlns:p14="http://schemas.microsoft.com/office/powerpoint/2010/main" val="4225559111"/>
+      </p:ext>
+    </p:extLst>
+  </p:cSld>
+  <p:clrMapOvr>
+    <a:masterClrMapping/>
+  </p:clrMapOvr>
+</p:sld>
+</file>
+
+<file path=ppt/slides/slide2.xml><?xml version="1.0" encoding="utf-8"?>
+<p:sld xmlns:a="http://schemas.openxmlformats.org/drawingml/2006/main" xmlns:r="http://schemas.openxmlformats.org/officeDocument/2006/relationships" xmlns:p="http://schemas.openxmlformats.org/presentationml/2006/main">
+  <p:cSld>
+    <p:spTree>
+      <p:nvGrpSpPr>
+        <p:cNvPr id="1" name=""/>
+        <p:cNvGrpSpPr/>
+        <p:nvPr/>
+      </p:nvGrpSpPr>
+      <p:grpSpPr>
+        <a:xfrm>
+          <a:off x="0" y="0"/>
+          <a:ext cx="0" cy="0"/>
+          <a:chOff x="0" y="0"/>
+          <a:chExt cx="0" cy="0"/>
+        </a:xfrm>
+      </p:grpSpPr>
+      <p:sp>
+        <p:nvSpPr>
+          <p:cNvPr id="2" name="Title 1"/>
+          <p:cNvSpPr>
+            <a:spLocks noGrp="1"/>
+          </p:cNvSpPr>
+          <p:nvPr>
+            <p:ph type="ctrTitle"/>
+          </p:nvPr>
+        </p:nvSpPr>
+        <p:spPr/>
+        <p:txBody>
+          <a:bodyPr/>
+          <a:lstStyle/>
+          <a:p>
+            <a:r>
+              <a:rPr lang="en-GB" dirty="0"/>
+              <a:t>Procedurally Generated Navigable Mountain terrain</a:t>
+            </a:r>
+          </a:p>
+        </p:txBody>
+      </p:sp>
+      <p:sp>
+        <p:nvSpPr>
+          <p:cNvPr id="3" name="Subtitle 2"/>
+          <p:cNvSpPr>
+            <a:spLocks noGrp="1"/>
+          </p:cNvSpPr>
+          <p:nvPr>
+            <p:ph type="subTitle" idx="1"/>
+          </p:nvPr>
+        </p:nvSpPr>
+        <p:spPr/>
+        <p:txBody>
+          <a:bodyPr/>
+          <a:lstStyle/>
+          <a:p>
+            <a:r>
+              <a:rPr lang="en-GB" dirty="0"/>
+              <a:t>Thomas Easterbrook</a:t>
+            </a:r>
+          </a:p>
+        </p:txBody>
+      </p:sp>
+    </p:spTree>
+    <p:extLst>
+      <p:ext uri="{BB962C8B-B14F-4D97-AF65-F5344CB8AC3E}">
+        <p14:creationId xmlns:p14="http://schemas.microsoft.com/office/powerpoint/2010/main" val="3137350101"/>
+      </p:ext>
+    </p:extLst>
+  </p:cSld>
+  <p:clrMapOvr>
+    <a:masterClrMapping/>
+  </p:clrMapOvr>
+</p:sld>
+</file>
+
+<file path=ppt/slides/slide3.xml><?xml version="1.0" encoding="utf-8"?>
+<p:sld xmlns:a="http://schemas.openxmlformats.org/drawingml/2006/main" xmlns:r="http://schemas.openxmlformats.org/officeDocument/2006/relationships" xmlns:p="http://schemas.openxmlformats.org/presentationml/2006/main">
+  <p:cSld>
+    <p:spTree>
+      <p:nvGrpSpPr>
+        <p:cNvPr id="1" name=""/>
+        <p:cNvGrpSpPr/>
+        <p:nvPr/>
+      </p:nvGrpSpPr>
+      <p:grpSpPr>
+        <a:xfrm>
+          <a:off x="0" y="0"/>
+          <a:ext cx="0" cy="0"/>
+          <a:chOff x="0" y="0"/>
+          <a:chExt cx="0" cy="0"/>
+        </a:xfrm>
+      </p:grpSpPr>
+      <p:sp>
+        <p:nvSpPr>
+          <p:cNvPr id="2" name="Title 1"/>
+          <p:cNvSpPr>
+            <a:spLocks noGrp="1"/>
+          </p:cNvSpPr>
+          <p:nvPr>
+            <p:ph type="title"/>
+          </p:nvPr>
+        </p:nvSpPr>
+        <p:spPr/>
+        <p:txBody>
+          <a:bodyPr/>
+          <a:lstStyle/>
+          <a:p>
+            <a:r>
+              <a:rPr lang="en-GB" dirty="0"/>
+              <a:t>High Concept and title</a:t>
+            </a:r>
+          </a:p>
+        </p:txBody>
+      </p:sp>
+      <p:sp>
+        <p:nvSpPr>
+          <p:cNvPr id="3" name="Content Placeholder 2"/>
+          <p:cNvSpPr>
+            <a:spLocks noGrp="1"/>
+          </p:cNvSpPr>
+          <p:nvPr>
+            <p:ph idx="1"/>
+          </p:nvPr>
+        </p:nvSpPr>
+        <p:spPr/>
+        <p:txBody>
+          <a:bodyPr/>
+          <a:lstStyle/>
+          <a:p>
+            <a:pPr marL="0" indent="0">
+              <a:buNone/>
+            </a:pPr>
+            <a:endParaRPr lang="en-GB" dirty="0"/>
+          </a:p>
+          <a:p>
+            <a:r>
+              <a:rPr lang="en-GB" dirty="0"/>
+              <a:t>-Generating a mountain terrain randomly</a:t>
+            </a:r>
+          </a:p>
+          <a:p>
+            <a:r>
+              <a:rPr lang="en-GB" dirty="0"/>
+              <a:t>-Allow for varying input to change mountains</a:t>
+            </a:r>
+          </a:p>
+          <a:p>
+            <a:r>
+              <a:rPr lang="en-GB" dirty="0"/>
+              <a:t>-Makes sure the terrain is navigable </a:t>
+            </a:r>
+          </a:p>
+          <a:p>
+            <a:pPr marL="0" indent="0">
+              <a:buNone/>
+            </a:pPr>
+            <a:endParaRPr lang="en-GB" dirty="0"/>
+          </a:p>
+        </p:txBody>
+      </p:sp>
+    </p:spTree>
+    <p:extLst>
+      <p:ext uri="{BB962C8B-B14F-4D97-AF65-F5344CB8AC3E}">
+        <p14:creationId xmlns:p14="http://schemas.microsoft.com/office/powerpoint/2010/main" val="194158461"/>
+      </p:ext>
+    </p:extLst>
+  </p:cSld>
+  <p:clrMapOvr>
+    <a:masterClrMapping/>
+  </p:clrMapOvr>
+</p:sld>
+</file>
+
+<file path=ppt/slides/slide4.xml><?xml version="1.0" encoding="utf-8"?>
+<p:sld xmlns:a="http://schemas.openxmlformats.org/drawingml/2006/main" xmlns:r="http://schemas.openxmlformats.org/officeDocument/2006/relationships" xmlns:p="http://schemas.openxmlformats.org/presentationml/2006/main">
+  <p:cSld>
+    <p:spTree>
+      <p:nvGrpSpPr>
+        <p:cNvPr id="1" name=""/>
+        <p:cNvGrpSpPr/>
+        <p:nvPr/>
+      </p:nvGrpSpPr>
+      <p:grpSpPr>
+        <a:xfrm>
+          <a:off x="0" y="0"/>
+          <a:ext cx="0" cy="0"/>
+          <a:chOff x="0" y="0"/>
+          <a:chExt cx="0" cy="0"/>
+        </a:xfrm>
+      </p:grpSpPr>
+      <p:sp>
+        <p:nvSpPr>
+          <p:cNvPr id="2" name="Title 1"/>
+          <p:cNvSpPr>
+            <a:spLocks noGrp="1"/>
+          </p:cNvSpPr>
+          <p:nvPr>
+            <p:ph type="title"/>
+          </p:nvPr>
+        </p:nvSpPr>
+        <p:spPr/>
+        <p:txBody>
+          <a:bodyPr/>
+          <a:lstStyle/>
+          <a:p>
+            <a:r>
+              <a:rPr lang="en-GB" dirty="0"/>
+              <a:t>Target audience and market</a:t>
+            </a:r>
+          </a:p>
+        </p:txBody>
+      </p:sp>
+      <p:sp>
+        <p:nvSpPr>
+          <p:cNvPr id="3" name="Content Placeholder 2"/>
+          <p:cNvSpPr>
+            <a:spLocks noGrp="1"/>
+          </p:cNvSpPr>
+          <p:nvPr>
+            <p:ph idx="1"/>
+          </p:nvPr>
+        </p:nvSpPr>
+        <p:spPr/>
+        <p:txBody>
+          <a:bodyPr/>
+          <a:lstStyle/>
+          <a:p>
+            <a:pPr marL="0" indent="0">
+              <a:buNone/>
+            </a:pPr>
+            <a:r>
+              <a:rPr lang="en-GB" dirty="0"/>
+              <a:t>-Small groups and individuals who would rather buy then make a mountain terrain</a:t>
+            </a:r>
+          </a:p>
+          <a:p>
+            <a:pPr marL="0" indent="0">
+              <a:buNone/>
+            </a:pPr>
+            <a:r>
+              <a:rPr lang="en-GB" dirty="0"/>
+              <a:t>-Similar business model as </a:t>
+            </a:r>
+            <a:r>
+              <a:rPr lang="en-GB" dirty="0" err="1"/>
+              <a:t>SpeedTree</a:t>
+            </a:r>
+            <a:endParaRPr lang="en-GB" dirty="0"/>
+          </a:p>
+          <a:p>
+            <a:pPr marL="0" indent="0">
+              <a:buNone/>
+            </a:pPr>
+            <a:r>
+              <a:rPr lang="en-GB" dirty="0"/>
+              <a:t>-pricing strategy which varies based </a:t>
+            </a:r>
+          </a:p>
+        </p:txBody>
+      </p:sp>
+    </p:spTree>
+    <p:extLst>
+      <p:ext uri="{BB962C8B-B14F-4D97-AF65-F5344CB8AC3E}">
+        <p14:creationId xmlns:p14="http://schemas.microsoft.com/office/powerpoint/2010/main" val="2761545222"/>
+      </p:ext>
+    </p:extLst>
+  </p:cSld>
+  <p:clrMapOvr>
+    <a:masterClrMapping/>
+  </p:clrMapOvr>
+</p:sld>
+</file>
+
+<file path=ppt/slides/slide5.xml><?xml version="1.0" encoding="utf-8"?>
+<p:sld xmlns:a="http://schemas.openxmlformats.org/drawingml/2006/main" xmlns:r="http://schemas.openxmlformats.org/officeDocument/2006/relationships" xmlns:p="http://schemas.openxmlformats.org/presentationml/2006/main">
+  <p:cSld>
+    <p:spTree>
+      <p:nvGrpSpPr>
+        <p:cNvPr id="1" name=""/>
+        <p:cNvGrpSpPr/>
+        <p:nvPr/>
+      </p:nvGrpSpPr>
+      <p:grpSpPr>
+        <a:xfrm>
+          <a:off x="0" y="0"/>
+          <a:ext cx="0" cy="0"/>
+          <a:chOff x="0" y="0"/>
+          <a:chExt cx="0" cy="0"/>
+        </a:xfrm>
+      </p:grpSpPr>
+      <p:sp>
+        <p:nvSpPr>
+          <p:cNvPr id="2" name="Title 1"/>
+          <p:cNvSpPr>
+            <a:spLocks noGrp="1"/>
+          </p:cNvSpPr>
+          <p:nvPr>
+            <p:ph type="title"/>
+          </p:nvPr>
+        </p:nvSpPr>
+        <p:spPr/>
+        <p:txBody>
+          <a:bodyPr/>
+          <a:lstStyle/>
+          <a:p>
+            <a:r>
+              <a:rPr lang="en-GB" dirty="0"/>
+              <a:t>USP and how it differs from competitors</a:t>
+            </a:r>
+          </a:p>
+        </p:txBody>
+      </p:sp>
+      <p:sp>
+        <p:nvSpPr>
+          <p:cNvPr id="3" name="Content Placeholder 2"/>
+          <p:cNvSpPr>
+            <a:spLocks noGrp="1"/>
+          </p:cNvSpPr>
+          <p:nvPr>
+            <p:ph idx="1"/>
+          </p:nvPr>
+        </p:nvSpPr>
+        <p:spPr/>
+        <p:txBody>
+          <a:bodyPr/>
+          <a:lstStyle/>
+          <a:p>
+            <a:pPr marL="0" indent="0">
+              <a:buNone/>
+            </a:pPr>
+            <a:r>
+              <a:rPr lang="en-GB" dirty="0"/>
+              <a:t>-Generates random terrain which can be implemented to others projects</a:t>
+            </a:r>
+          </a:p>
+          <a:p>
+            <a:pPr marL="0" indent="0">
+              <a:buNone/>
+            </a:pPr>
+            <a:r>
+              <a:rPr lang="en-GB" dirty="0"/>
+              <a:t>-terrain can vary in complexity </a:t>
+            </a:r>
+          </a:p>
+          <a:p>
+            <a:pPr marL="0" indent="0">
+              <a:buNone/>
+            </a:pPr>
+            <a:r>
+              <a:rPr lang="en-GB" dirty="0"/>
+              <a:t>-terrain is navigable proven by A star</a:t>
+            </a:r>
+          </a:p>
+        </p:txBody>
+      </p:sp>
+    </p:spTree>
+    <p:extLst>
+      <p:ext uri="{BB962C8B-B14F-4D97-AF65-F5344CB8AC3E}">
+        <p14:creationId xmlns:p14="http://schemas.microsoft.com/office/powerpoint/2010/main" val="3417617353"/>
+      </p:ext>
+    </p:extLst>
+  </p:cSld>
+  <p:clrMapOvr>
+    <a:masterClrMapping/>
+  </p:clrMapOvr>
+</p:sld>
+</file>
+
 <file path=ppt/slides/slide6.xml><?xml version="1.0" encoding="utf-8"?>
 <p:sld xmlns:a="http://schemas.openxmlformats.org/drawingml/2006/main" xmlns:r="http://schemas.openxmlformats.org/officeDocument/2006/relationships" xmlns:p="http://schemas.openxmlformats.org/presentationml/2006/main">
   <p:cSld>
@@ -6718,7 +7385,7 @@
           <a:p>
             <a:r>
               <a:rPr lang="en-GB" dirty="0"/>
-              <a:t>Scope</a:t>
+              <a:t>The design and technical and production feasibility</a:t>
             </a:r>
           </a:p>
         </p:txBody>
@@ -6738,63 +7405,40 @@
           <a:bodyPr/>
           <a:lstStyle/>
           <a:p>
+            <a:pPr marL="0" indent="0">
+              <a:buNone/>
+            </a:pPr>
+            <a:r>
+              <a:rPr lang="en-GB" dirty="0"/>
+              <a:t>-Component uses A star pathfinding</a:t>
+            </a:r>
+          </a:p>
+          <a:p>
             <a:pPr>
-              <a:lnSpc>
-                <a:spcPct val="150000"/>
-              </a:lnSpc>
+              <a:buFontTx/>
+              <a:buChar char="-"/>
             </a:pPr>
             <a:r>
               <a:rPr lang="en-GB" dirty="0"/>
-              <a:t>Branches just call functions from companion</a:t>
-            </a:r>
-          </a:p>
-          <a:p>
-            <a:pPr lvl="1">
-              <a:lnSpc>
-                <a:spcPct val="150000"/>
-              </a:lnSpc>
+              <a:t>Perlin Noise</a:t>
+            </a:r>
+          </a:p>
+          <a:p>
+            <a:pPr>
+              <a:buFontTx/>
+              <a:buChar char="-"/>
             </a:pPr>
             <a:r>
               <a:rPr lang="en-GB" dirty="0"/>
-              <a:t>Functions can easily be changed depending on companion animal</a:t>
-            </a:r>
-          </a:p>
-          <a:p>
-            <a:pPr>
-              <a:lnSpc>
-                <a:spcPct val="150000"/>
-              </a:lnSpc>
-            </a:pPr>
-            <a:r>
-              <a:rPr lang="en-GB" dirty="0"/>
-              <a:t>Once the base nodes are working adding and altering branches is easy</a:t>
-            </a:r>
-          </a:p>
-          <a:p>
-            <a:pPr>
-              <a:lnSpc>
-                <a:spcPct val="150000"/>
-              </a:lnSpc>
-            </a:pPr>
-            <a:r>
-              <a:rPr lang="en-GB" dirty="0"/>
-              <a:t>Scope depends on number of branches</a:t>
-            </a:r>
-          </a:p>
-          <a:p>
-            <a:pPr>
-              <a:lnSpc>
-                <a:spcPct val="150000"/>
-              </a:lnSpc>
-            </a:pPr>
-            <a:endParaRPr lang="en-GB" dirty="0"/>
+              <a:t>-Produces random terrains that can vary in size and complexity</a:t>
+            </a:r>
           </a:p>
         </p:txBody>
       </p:sp>
     </p:spTree>
     <p:extLst>
       <p:ext uri="{BB962C8B-B14F-4D97-AF65-F5344CB8AC3E}">
-        <p14:creationId xmlns:p14="http://schemas.microsoft.com/office/powerpoint/2010/main" val="2978372015"/>
+        <p14:creationId xmlns:p14="http://schemas.microsoft.com/office/powerpoint/2010/main" val="3945276167"/>
       </p:ext>
     </p:extLst>
   </p:cSld>
@@ -6838,7 +7482,7 @@
           <a:p>
             <a:r>
               <a:rPr lang="en-GB" dirty="0"/>
-              <a:t>Commercial Feasibility </a:t>
+              <a:t>Commercial viability</a:t>
             </a:r>
           </a:p>
         </p:txBody>
@@ -6858,51 +7502,57 @@
           <a:bodyPr/>
           <a:lstStyle/>
           <a:p>
-            <a:pPr>
-              <a:lnSpc>
-                <a:spcPct val="250000"/>
-              </a:lnSpc>
+            <a:pPr marL="0" indent="0">
+              <a:buNone/>
             </a:pPr>
             <a:r>
               <a:rPr lang="en-GB" dirty="0"/>
-              <a:t>Game making tool so could be sold on Unity Asset store</a:t>
-            </a:r>
-          </a:p>
-          <a:p>
-            <a:pPr>
-              <a:lnSpc>
-                <a:spcPct val="250000"/>
-              </a:lnSpc>
+              <a:t>-previous companies like </a:t>
+            </a:r>
+            <a:r>
+              <a:rPr lang="en-GB" dirty="0" err="1"/>
+              <a:t>speedTree</a:t>
+            </a:r>
+            <a:r>
+              <a:rPr lang="en-GB" dirty="0"/>
+              <a:t> prove it possible</a:t>
+            </a:r>
+          </a:p>
+          <a:p>
+            <a:pPr marL="0" indent="0">
+              <a:buNone/>
             </a:pPr>
             <a:r>
               <a:rPr lang="en-GB" dirty="0"/>
-              <a:t>Best selling Unity Assets are normally $50+</a:t>
-            </a:r>
-          </a:p>
-          <a:p>
-            <a:pPr>
-              <a:lnSpc>
-                <a:spcPct val="250000"/>
-              </a:lnSpc>
+              <a:t>-Allows user to pay a set value and avoid having to generate the terrain</a:t>
+            </a:r>
+          </a:p>
+          <a:p>
+            <a:pPr marL="0" indent="0">
+              <a:buNone/>
             </a:pPr>
             <a:r>
               <a:rPr lang="en-GB" dirty="0"/>
-              <a:t>Behaviour tree tool on Asset store are either general tools or for enemies </a:t>
-            </a:r>
-          </a:p>
-          <a:p>
-            <a:pPr>
-              <a:lnSpc>
-                <a:spcPct val="250000"/>
-              </a:lnSpc>
+              <a:t>-allows for quicker development</a:t>
+            </a:r>
+          </a:p>
+          <a:p>
+            <a:pPr marL="0" indent="0">
+              <a:buNone/>
             </a:pPr>
+            <a:r>
+              <a:rPr lang="en-GB" dirty="0"/>
+              <a:t>-potential to work for bigger games companies and films lie </a:t>
+            </a:r>
+            <a:r>
+              <a:rPr lang="en-GB" dirty="0" err="1"/>
+              <a:t>speedTree</a:t>
+            </a:r>
             <a:endParaRPr lang="en-GB" dirty="0"/>
           </a:p>
           <a:p>
-            <a:pPr>
-              <a:lnSpc>
-                <a:spcPct val="250000"/>
-              </a:lnSpc>
+            <a:pPr marL="0" indent="0">
+              <a:buNone/>
             </a:pPr>
             <a:endParaRPr lang="en-GB" dirty="0"/>
           </a:p>
@@ -6911,7 +7561,7 @@
     </p:spTree>
     <p:extLst>
       <p:ext uri="{BB962C8B-B14F-4D97-AF65-F5344CB8AC3E}">
-        <p14:creationId xmlns:p14="http://schemas.microsoft.com/office/powerpoint/2010/main" val="1607881222"/>
+        <p14:creationId xmlns:p14="http://schemas.microsoft.com/office/powerpoint/2010/main" val="4033761422"/>
       </p:ext>
     </p:extLst>
   </p:cSld>
@@ -6955,7 +7605,7 @@
           <a:p>
             <a:r>
               <a:rPr lang="en-GB" dirty="0"/>
-              <a:t>Components Combined</a:t>
+              <a:t>Companion Animal AI</a:t>
             </a:r>
           </a:p>
         </p:txBody>
@@ -6977,7 +7627,7 @@
           <a:p>
             <a:r>
               <a:rPr lang="en-GB" dirty="0"/>
-              <a:t>COMP230 Component</a:t>
+              <a:t>Maddie Kay</a:t>
             </a:r>
           </a:p>
         </p:txBody>
@@ -6985,7 +7635,7 @@
     </p:spTree>
     <p:extLst>
       <p:ext uri="{BB962C8B-B14F-4D97-AF65-F5344CB8AC3E}">
-        <p14:creationId xmlns:p14="http://schemas.microsoft.com/office/powerpoint/2010/main" val="1413069069"/>
+        <p14:creationId xmlns:p14="http://schemas.microsoft.com/office/powerpoint/2010/main" val="3386302008"/>
       </p:ext>
     </p:extLst>
   </p:cSld>
@@ -7029,7 +7679,7 @@
           <a:p>
             <a:r>
               <a:rPr lang="en-GB" dirty="0"/>
-              <a:t>Pathfinding</a:t>
+              <a:t>Companion AI  - High Concept</a:t>
             </a:r>
           </a:p>
         </p:txBody>
@@ -7046,39 +7696,52 @@
         </p:nvSpPr>
         <p:spPr/>
         <p:txBody>
-          <a:bodyPr/>
+          <a:bodyPr>
+            <a:normAutofit/>
+          </a:bodyPr>
           <a:lstStyle/>
           <a:p>
             <a:pPr>
               <a:lnSpc>
-                <a:spcPct val="200000"/>
+                <a:spcPct val="150000"/>
               </a:lnSpc>
             </a:pPr>
             <a:r>
-              <a:rPr lang="en-GB" dirty="0"/>
-              <a:t>Both components require pathfinding</a:t>
+              <a:rPr lang="en-GB" sz="2000" dirty="0"/>
+              <a:t>Using a behaviour tree</a:t>
+            </a:r>
+          </a:p>
+          <a:p>
+            <a:pPr>
+              <a:lnSpc>
+                <a:spcPct val="150000"/>
+              </a:lnSpc>
+            </a:pPr>
+            <a:r>
+              <a:rPr lang="en-GB" sz="2000" dirty="0"/>
+              <a:t>Will be adaptable to most animals</a:t>
             </a:r>
           </a:p>
           <a:p>
             <a:pPr lvl="1">
               <a:lnSpc>
-                <a:spcPct val="200000"/>
+                <a:spcPct val="150000"/>
               </a:lnSpc>
             </a:pPr>
             <a:r>
-              <a:rPr lang="en-GB" dirty="0"/>
-              <a:t>Paths generated with terrain can be passed into AI to guide player</a:t>
+              <a:rPr lang="en-GB" sz="1800" dirty="0"/>
+              <a:t>Current version currently designed for falcons</a:t>
             </a:r>
           </a:p>
           <a:p>
             <a:pPr>
               <a:lnSpc>
-                <a:spcPct val="200000"/>
+                <a:spcPct val="150000"/>
               </a:lnSpc>
             </a:pPr>
             <a:r>
-              <a:rPr lang="en-GB" dirty="0"/>
-              <a:t>AI will only find enemies and objects if player can reach them</a:t>
+              <a:rPr lang="en-GB" sz="2000" dirty="0"/>
+              <a:t>Easy to add, remove and alter branches</a:t>
             </a:r>
           </a:p>
         </p:txBody>
@@ -7086,7 +7749,7 @@
     </p:spTree>
     <p:extLst>
       <p:ext uri="{BB962C8B-B14F-4D97-AF65-F5344CB8AC3E}">
-        <p14:creationId xmlns:p14="http://schemas.microsoft.com/office/powerpoint/2010/main" val="2339563425"/>
+        <p14:creationId xmlns:p14="http://schemas.microsoft.com/office/powerpoint/2010/main" val="2178287929"/>
       </p:ext>
     </p:extLst>
   </p:cSld>

--- a/Proposal/Slides.pptx
+++ b/Proposal/Slides.pptx
@@ -5,7 +5,7 @@
     <p:sldMasterId id="2147483677" r:id="rId1"/>
   </p:sldMasterIdLst>
   <p:notesMasterIdLst>
-    <p:notesMasterId r:id="rId18"/>
+    <p:notesMasterId r:id="rId20"/>
   </p:notesMasterIdLst>
   <p:sldIdLst>
     <p:sldId id="261" r:id="rId2"/>
@@ -18,12 +18,14 @@
     <p:sldId id="262" r:id="rId9"/>
     <p:sldId id="257" r:id="rId10"/>
     <p:sldId id="258" r:id="rId11"/>
-    <p:sldId id="259" r:id="rId12"/>
-    <p:sldId id="260" r:id="rId13"/>
-    <p:sldId id="263" r:id="rId14"/>
-    <p:sldId id="264" r:id="rId15"/>
-    <p:sldId id="272" r:id="rId16"/>
-    <p:sldId id="271" r:id="rId17"/>
+    <p:sldId id="274" r:id="rId12"/>
+    <p:sldId id="273" r:id="rId13"/>
+    <p:sldId id="260" r:id="rId14"/>
+    <p:sldId id="259" r:id="rId15"/>
+    <p:sldId id="263" r:id="rId16"/>
+    <p:sldId id="264" r:id="rId17"/>
+    <p:sldId id="272" r:id="rId18"/>
+    <p:sldId id="271" r:id="rId19"/>
   </p:sldIdLst>
   <p:sldSz cx="12192000" cy="6858000"/>
   <p:notesSz cx="6858000" cy="9144000"/>
@@ -212,7 +214,7 @@
           <a:p>
             <a:fld id="{49A2A984-873E-495B-8DA5-FA2F86388A05}" type="datetimeFigureOut">
               <a:rPr lang="en-GB" smtClean="0"/>
-              <a:t>05/12/2016</a:t>
+              <a:t>06/12/2016</a:t>
             </a:fld>
             <a:endParaRPr lang="en-GB"/>
           </a:p>
@@ -1309,7 +1311,7 @@
           <a:p>
             <a:fld id="{85D10F18-F7ED-45C5-9CFE-B6F167002446}" type="datetimeFigureOut">
               <a:rPr lang="en-GB" smtClean="0"/>
-              <a:t>05/12/2016</a:t>
+              <a:t>06/12/2016</a:t>
             </a:fld>
             <a:endParaRPr lang="en-GB"/>
           </a:p>
@@ -1560,7 +1562,7 @@
           <a:p>
             <a:fld id="{85D10F18-F7ED-45C5-9CFE-B6F167002446}" type="datetimeFigureOut">
               <a:rPr lang="en-GB" smtClean="0"/>
-              <a:t>05/12/2016</a:t>
+              <a:t>06/12/2016</a:t>
             </a:fld>
             <a:endParaRPr lang="en-GB"/>
           </a:p>
@@ -1874,7 +1876,7 @@
           <a:p>
             <a:fld id="{85D10F18-F7ED-45C5-9CFE-B6F167002446}" type="datetimeFigureOut">
               <a:rPr lang="en-GB" smtClean="0"/>
-              <a:t>05/12/2016</a:t>
+              <a:t>06/12/2016</a:t>
             </a:fld>
             <a:endParaRPr lang="en-GB"/>
           </a:p>
@@ -2207,7 +2209,7 @@
           <a:p>
             <a:fld id="{85D10F18-F7ED-45C5-9CFE-B6F167002446}" type="datetimeFigureOut">
               <a:rPr lang="en-GB" smtClean="0"/>
-              <a:t>05/12/2016</a:t>
+              <a:t>06/12/2016</a:t>
             </a:fld>
             <a:endParaRPr lang="en-GB"/>
           </a:p>
@@ -2521,7 +2523,7 @@
           <a:p>
             <a:fld id="{85D10F18-F7ED-45C5-9CFE-B6F167002446}" type="datetimeFigureOut">
               <a:rPr lang="en-GB" smtClean="0"/>
-              <a:t>05/12/2016</a:t>
+              <a:t>06/12/2016</a:t>
             </a:fld>
             <a:endParaRPr lang="en-GB"/>
           </a:p>
@@ -2914,7 +2916,7 @@
           <a:p>
             <a:fld id="{85D10F18-F7ED-45C5-9CFE-B6F167002446}" type="datetimeFigureOut">
               <a:rPr lang="en-GB" smtClean="0"/>
-              <a:t>05/12/2016</a:t>
+              <a:t>06/12/2016</a:t>
             </a:fld>
             <a:endParaRPr lang="en-GB"/>
           </a:p>
@@ -3084,7 +3086,7 @@
           <a:p>
             <a:fld id="{85D10F18-F7ED-45C5-9CFE-B6F167002446}" type="datetimeFigureOut">
               <a:rPr lang="en-GB" smtClean="0"/>
-              <a:t>05/12/2016</a:t>
+              <a:t>06/12/2016</a:t>
             </a:fld>
             <a:endParaRPr lang="en-GB"/>
           </a:p>
@@ -3264,7 +3266,7 @@
           <a:p>
             <a:fld id="{85D10F18-F7ED-45C5-9CFE-B6F167002446}" type="datetimeFigureOut">
               <a:rPr lang="en-GB" smtClean="0"/>
-              <a:t>05/12/2016</a:t>
+              <a:t>06/12/2016</a:t>
             </a:fld>
             <a:endParaRPr lang="en-GB"/>
           </a:p>
@@ -3434,7 +3436,7 @@
           <a:p>
             <a:fld id="{85D10F18-F7ED-45C5-9CFE-B6F167002446}" type="datetimeFigureOut">
               <a:rPr lang="en-GB" smtClean="0"/>
-              <a:t>05/12/2016</a:t>
+              <a:t>06/12/2016</a:t>
             </a:fld>
             <a:endParaRPr lang="en-GB"/>
           </a:p>
@@ -3681,7 +3683,7 @@
           <a:p>
             <a:fld id="{85D10F18-F7ED-45C5-9CFE-B6F167002446}" type="datetimeFigureOut">
               <a:rPr lang="en-GB" smtClean="0"/>
-              <a:t>05/12/2016</a:t>
+              <a:t>06/12/2016</a:t>
             </a:fld>
             <a:endParaRPr lang="en-GB"/>
           </a:p>
@@ -3913,7 +3915,7 @@
           <a:p>
             <a:fld id="{85D10F18-F7ED-45C5-9CFE-B6F167002446}" type="datetimeFigureOut">
               <a:rPr lang="en-GB" smtClean="0"/>
-              <a:t>05/12/2016</a:t>
+              <a:t>06/12/2016</a:t>
             </a:fld>
             <a:endParaRPr lang="en-GB"/>
           </a:p>
@@ -4287,7 +4289,7 @@
           <a:p>
             <a:fld id="{85D10F18-F7ED-45C5-9CFE-B6F167002446}" type="datetimeFigureOut">
               <a:rPr lang="en-GB" smtClean="0"/>
-              <a:t>05/12/2016</a:t>
+              <a:t>06/12/2016</a:t>
             </a:fld>
             <a:endParaRPr lang="en-GB"/>
           </a:p>
@@ -4410,7 +4412,7 @@
           <a:p>
             <a:fld id="{85D10F18-F7ED-45C5-9CFE-B6F167002446}" type="datetimeFigureOut">
               <a:rPr lang="en-GB" smtClean="0"/>
-              <a:t>05/12/2016</a:t>
+              <a:t>06/12/2016</a:t>
             </a:fld>
             <a:endParaRPr lang="en-GB"/>
           </a:p>
@@ -4505,7 +4507,7 @@
           <a:p>
             <a:fld id="{85D10F18-F7ED-45C5-9CFE-B6F167002446}" type="datetimeFigureOut">
               <a:rPr lang="en-GB" smtClean="0"/>
-              <a:t>05/12/2016</a:t>
+              <a:t>06/12/2016</a:t>
             </a:fld>
             <a:endParaRPr lang="en-GB"/>
           </a:p>
@@ -4760,7 +4762,7 @@
           <a:p>
             <a:fld id="{85D10F18-F7ED-45C5-9CFE-B6F167002446}" type="datetimeFigureOut">
               <a:rPr lang="en-GB" smtClean="0"/>
-              <a:t>05/12/2016</a:t>
+              <a:t>06/12/2016</a:t>
             </a:fld>
             <a:endParaRPr lang="en-GB"/>
           </a:p>
@@ -5065,7 +5067,7 @@
           <a:p>
             <a:fld id="{85D10F18-F7ED-45C5-9CFE-B6F167002446}" type="datetimeFigureOut">
               <a:rPr lang="en-GB" smtClean="0"/>
-              <a:t>05/12/2016</a:t>
+              <a:t>06/12/2016</a:t>
             </a:fld>
             <a:endParaRPr lang="en-GB"/>
           </a:p>
@@ -5767,7 +5769,7 @@
           <a:p>
             <a:fld id="{85D10F18-F7ED-45C5-9CFE-B6F167002446}" type="datetimeFigureOut">
               <a:rPr lang="en-GB" smtClean="0"/>
-              <a:t>05/12/2016</a:t>
+              <a:t>06/12/2016</a:t>
             </a:fld>
             <a:endParaRPr lang="en-GB"/>
           </a:p>
@@ -6426,6 +6428,89 @@
   <p:clrMapOvr>
     <a:masterClrMapping/>
   </p:clrMapOvr>
+  <p:timing>
+    <p:tnLst>
+      <p:par>
+        <p:cTn id="1" dur="indefinite" restart="never" nodeType="tmRoot">
+          <p:childTnLst>
+            <p:seq concurrent="1" nextAc="seek">
+              <p:cTn id="2" dur="indefinite" nodeType="mainSeq">
+                <p:childTnLst>
+                  <p:par>
+                    <p:cTn id="3" fill="hold">
+                      <p:stCondLst>
+                        <p:cond delay="indefinite"/>
+                      </p:stCondLst>
+                      <p:childTnLst>
+                        <p:par>
+                          <p:cTn id="4" fill="hold">
+                            <p:stCondLst>
+                              <p:cond delay="0"/>
+                            </p:stCondLst>
+                            <p:childTnLst>
+                              <p:par>
+                                <p:cTn id="5" presetID="10" presetClass="entr" presetSubtype="0" fill="hold" nodeType="clickEffect">
+                                  <p:stCondLst>
+                                    <p:cond delay="0"/>
+                                  </p:stCondLst>
+                                  <p:childTnLst>
+                                    <p:set>
+                                      <p:cBhvr>
+                                        <p:cTn id="6" dur="1" fill="hold">
+                                          <p:stCondLst>
+                                            <p:cond delay="0"/>
+                                          </p:stCondLst>
+                                        </p:cTn>
+                                        <p:tgtEl>
+                                          <p:spTgt spid="4"/>
+                                        </p:tgtEl>
+                                        <p:attrNameLst>
+                                          <p:attrName>style.visibility</p:attrName>
+                                        </p:attrNameLst>
+                                      </p:cBhvr>
+                                      <p:to>
+                                        <p:strVal val="visible"/>
+                                      </p:to>
+                                    </p:set>
+                                    <p:animEffect transition="in" filter="fade">
+                                      <p:cBhvr>
+                                        <p:cTn id="7" dur="500"/>
+                                        <p:tgtEl>
+                                          <p:spTgt spid="4"/>
+                                        </p:tgtEl>
+                                      </p:cBhvr>
+                                    </p:animEffect>
+                                  </p:childTnLst>
+                                </p:cTn>
+                              </p:par>
+                            </p:childTnLst>
+                          </p:cTn>
+                        </p:par>
+                      </p:childTnLst>
+                    </p:cTn>
+                  </p:par>
+                </p:childTnLst>
+              </p:cTn>
+              <p:prevCondLst>
+                <p:cond evt="onPrev" delay="0">
+                  <p:tgtEl>
+                    <p:sldTgt/>
+                  </p:tgtEl>
+                </p:cond>
+              </p:prevCondLst>
+              <p:nextCondLst>
+                <p:cond evt="onNext" delay="0">
+                  <p:tgtEl>
+                    <p:sldTgt/>
+                  </p:tgtEl>
+                </p:cond>
+              </p:nextCondLst>
+            </p:seq>
+          </p:childTnLst>
+        </p:cTn>
+      </p:par>
+    </p:tnLst>
+  </p:timing>
 </p:sld>
 </file>
 
@@ -6463,7 +6548,7 @@
           <a:p>
             <a:r>
               <a:rPr lang="en-GB" dirty="0"/>
-              <a:t>Scope</a:t>
+              <a:t>Market Research</a:t>
             </a:r>
           </a:p>
         </p:txBody>
@@ -6485,12 +6570,34 @@
           <a:p>
             <a:pPr>
               <a:lnSpc>
-                <a:spcPct val="150000"/>
+                <a:spcPct val="200000"/>
               </a:lnSpc>
             </a:pPr>
             <a:r>
               <a:rPr lang="en-GB" dirty="0"/>
-              <a:t>Branches just call functions from companion</a:t>
+              <a:t>Companions common in games</a:t>
+            </a:r>
+          </a:p>
+          <a:p>
+            <a:pPr>
+              <a:lnSpc>
+                <a:spcPct val="200000"/>
+              </a:lnSpc>
+            </a:pPr>
+            <a:r>
+              <a:rPr lang="en-GB" dirty="0"/>
+              <a:t>Need a balance between annoying and useful</a:t>
+            </a:r>
+          </a:p>
+          <a:p>
+            <a:pPr>
+              <a:lnSpc>
+                <a:spcPct val="200000"/>
+              </a:lnSpc>
+            </a:pPr>
+            <a:r>
+              <a:rPr lang="en-GB" dirty="0"/>
+              <a:t>Useful behaviours seemed to be:</a:t>
             </a:r>
           </a:p>
           <a:p>
@@ -6501,51 +6608,388 @@
             </a:pPr>
             <a:r>
               <a:rPr lang="en-GB" dirty="0"/>
-              <a:t>Functions can easily be changed depending on companion animal</a:t>
-            </a:r>
-          </a:p>
-          <a:p>
-            <a:pPr>
+              <a:t>Finds resources</a:t>
+            </a:r>
+          </a:p>
+          <a:p>
+            <a:pPr lvl="1">
               <a:lnSpc>
                 <a:spcPct val="150000"/>
               </a:lnSpc>
             </a:pPr>
             <a:r>
               <a:rPr lang="en-GB" dirty="0"/>
-              <a:t>Once the base nodes are working adding and altering branches is easy</a:t>
-            </a:r>
-          </a:p>
-          <a:p>
-            <a:pPr>
+              <a:t>Leads the way</a:t>
+            </a:r>
+          </a:p>
+          <a:p>
+            <a:pPr lvl="1">
               <a:lnSpc>
                 <a:spcPct val="150000"/>
               </a:lnSpc>
             </a:pPr>
             <a:r>
               <a:rPr lang="en-GB" dirty="0"/>
-              <a:t>Scope depends on number of branches</a:t>
-            </a:r>
-          </a:p>
-          <a:p>
-            <a:pPr>
-              <a:lnSpc>
-                <a:spcPct val="150000"/>
-              </a:lnSpc>
-            </a:pPr>
-            <a:endParaRPr lang="en-GB" dirty="0"/>
+              <a:t>Doesn’t hinder the player</a:t>
+            </a:r>
           </a:p>
         </p:txBody>
       </p:sp>
     </p:spTree>
     <p:extLst>
       <p:ext uri="{BB962C8B-B14F-4D97-AF65-F5344CB8AC3E}">
-        <p14:creationId xmlns:p14="http://schemas.microsoft.com/office/powerpoint/2010/main" val="2978372015"/>
+        <p14:creationId xmlns:p14="http://schemas.microsoft.com/office/powerpoint/2010/main" val="3143691030"/>
       </p:ext>
     </p:extLst>
   </p:cSld>
   <p:clrMapOvr>
     <a:masterClrMapping/>
   </p:clrMapOvr>
+  <p:timing>
+    <p:tnLst>
+      <p:par>
+        <p:cTn id="1" dur="indefinite" restart="never" nodeType="tmRoot">
+          <p:childTnLst>
+            <p:seq concurrent="1" nextAc="seek">
+              <p:cTn id="2" dur="indefinite" nodeType="mainSeq">
+                <p:childTnLst>
+                  <p:par>
+                    <p:cTn id="3" fill="hold">
+                      <p:stCondLst>
+                        <p:cond delay="indefinite"/>
+                      </p:stCondLst>
+                      <p:childTnLst>
+                        <p:par>
+                          <p:cTn id="4" fill="hold">
+                            <p:stCondLst>
+                              <p:cond delay="0"/>
+                            </p:stCondLst>
+                            <p:childTnLst>
+                              <p:par>
+                                <p:cTn id="5" presetID="10" presetClass="entr" presetSubtype="0" fill="hold" grpId="0" nodeType="clickEffect">
+                                  <p:stCondLst>
+                                    <p:cond delay="0"/>
+                                  </p:stCondLst>
+                                  <p:childTnLst>
+                                    <p:set>
+                                      <p:cBhvr>
+                                        <p:cTn id="6" dur="1" fill="hold">
+                                          <p:stCondLst>
+                                            <p:cond delay="0"/>
+                                          </p:stCondLst>
+                                        </p:cTn>
+                                        <p:tgtEl>
+                                          <p:spTgt spid="3">
+                                            <p:txEl>
+                                              <p:pRg st="0" end="0"/>
+                                            </p:txEl>
+                                          </p:spTgt>
+                                        </p:tgtEl>
+                                        <p:attrNameLst>
+                                          <p:attrName>style.visibility</p:attrName>
+                                        </p:attrNameLst>
+                                      </p:cBhvr>
+                                      <p:to>
+                                        <p:strVal val="visible"/>
+                                      </p:to>
+                                    </p:set>
+                                    <p:animEffect transition="in" filter="fade">
+                                      <p:cBhvr>
+                                        <p:cTn id="7" dur="500"/>
+                                        <p:tgtEl>
+                                          <p:spTgt spid="3">
+                                            <p:txEl>
+                                              <p:pRg st="0" end="0"/>
+                                            </p:txEl>
+                                          </p:spTgt>
+                                        </p:tgtEl>
+                                      </p:cBhvr>
+                                    </p:animEffect>
+                                  </p:childTnLst>
+                                </p:cTn>
+                              </p:par>
+                            </p:childTnLst>
+                          </p:cTn>
+                        </p:par>
+                      </p:childTnLst>
+                    </p:cTn>
+                  </p:par>
+                  <p:par>
+                    <p:cTn id="8" fill="hold">
+                      <p:stCondLst>
+                        <p:cond delay="indefinite"/>
+                      </p:stCondLst>
+                      <p:childTnLst>
+                        <p:par>
+                          <p:cTn id="9" fill="hold">
+                            <p:stCondLst>
+                              <p:cond delay="0"/>
+                            </p:stCondLst>
+                            <p:childTnLst>
+                              <p:par>
+                                <p:cTn id="10" presetID="10" presetClass="entr" presetSubtype="0" fill="hold" grpId="0" nodeType="clickEffect">
+                                  <p:stCondLst>
+                                    <p:cond delay="0"/>
+                                  </p:stCondLst>
+                                  <p:childTnLst>
+                                    <p:set>
+                                      <p:cBhvr>
+                                        <p:cTn id="11" dur="1" fill="hold">
+                                          <p:stCondLst>
+                                            <p:cond delay="0"/>
+                                          </p:stCondLst>
+                                        </p:cTn>
+                                        <p:tgtEl>
+                                          <p:spTgt spid="3">
+                                            <p:txEl>
+                                              <p:pRg st="1" end="1"/>
+                                            </p:txEl>
+                                          </p:spTgt>
+                                        </p:tgtEl>
+                                        <p:attrNameLst>
+                                          <p:attrName>style.visibility</p:attrName>
+                                        </p:attrNameLst>
+                                      </p:cBhvr>
+                                      <p:to>
+                                        <p:strVal val="visible"/>
+                                      </p:to>
+                                    </p:set>
+                                    <p:animEffect transition="in" filter="fade">
+                                      <p:cBhvr>
+                                        <p:cTn id="12" dur="500"/>
+                                        <p:tgtEl>
+                                          <p:spTgt spid="3">
+                                            <p:txEl>
+                                              <p:pRg st="1" end="1"/>
+                                            </p:txEl>
+                                          </p:spTgt>
+                                        </p:tgtEl>
+                                      </p:cBhvr>
+                                    </p:animEffect>
+                                  </p:childTnLst>
+                                </p:cTn>
+                              </p:par>
+                            </p:childTnLst>
+                          </p:cTn>
+                        </p:par>
+                      </p:childTnLst>
+                    </p:cTn>
+                  </p:par>
+                  <p:par>
+                    <p:cTn id="13" fill="hold">
+                      <p:stCondLst>
+                        <p:cond delay="indefinite"/>
+                      </p:stCondLst>
+                      <p:childTnLst>
+                        <p:par>
+                          <p:cTn id="14" fill="hold">
+                            <p:stCondLst>
+                              <p:cond delay="0"/>
+                            </p:stCondLst>
+                            <p:childTnLst>
+                              <p:par>
+                                <p:cTn id="15" presetID="10" presetClass="entr" presetSubtype="0" fill="hold" grpId="0" nodeType="clickEffect">
+                                  <p:stCondLst>
+                                    <p:cond delay="0"/>
+                                  </p:stCondLst>
+                                  <p:childTnLst>
+                                    <p:set>
+                                      <p:cBhvr>
+                                        <p:cTn id="16" dur="1" fill="hold">
+                                          <p:stCondLst>
+                                            <p:cond delay="0"/>
+                                          </p:stCondLst>
+                                        </p:cTn>
+                                        <p:tgtEl>
+                                          <p:spTgt spid="3">
+                                            <p:txEl>
+                                              <p:pRg st="2" end="2"/>
+                                            </p:txEl>
+                                          </p:spTgt>
+                                        </p:tgtEl>
+                                        <p:attrNameLst>
+                                          <p:attrName>style.visibility</p:attrName>
+                                        </p:attrNameLst>
+                                      </p:cBhvr>
+                                      <p:to>
+                                        <p:strVal val="visible"/>
+                                      </p:to>
+                                    </p:set>
+                                    <p:animEffect transition="in" filter="fade">
+                                      <p:cBhvr>
+                                        <p:cTn id="17" dur="500"/>
+                                        <p:tgtEl>
+                                          <p:spTgt spid="3">
+                                            <p:txEl>
+                                              <p:pRg st="2" end="2"/>
+                                            </p:txEl>
+                                          </p:spTgt>
+                                        </p:tgtEl>
+                                      </p:cBhvr>
+                                    </p:animEffect>
+                                  </p:childTnLst>
+                                </p:cTn>
+                              </p:par>
+                              <p:par>
+                                <p:cTn id="18" presetID="10" presetClass="entr" presetSubtype="0" fill="hold" grpId="0" nodeType="withEffect">
+                                  <p:stCondLst>
+                                    <p:cond delay="0"/>
+                                  </p:stCondLst>
+                                  <p:childTnLst>
+                                    <p:set>
+                                      <p:cBhvr>
+                                        <p:cTn id="19" dur="1" fill="hold">
+                                          <p:stCondLst>
+                                            <p:cond delay="0"/>
+                                          </p:stCondLst>
+                                        </p:cTn>
+                                        <p:tgtEl>
+                                          <p:spTgt spid="3">
+                                            <p:txEl>
+                                              <p:pRg st="3" end="3"/>
+                                            </p:txEl>
+                                          </p:spTgt>
+                                        </p:tgtEl>
+                                        <p:attrNameLst>
+                                          <p:attrName>style.visibility</p:attrName>
+                                        </p:attrNameLst>
+                                      </p:cBhvr>
+                                      <p:to>
+                                        <p:strVal val="visible"/>
+                                      </p:to>
+                                    </p:set>
+                                    <p:animEffect transition="in" filter="fade">
+                                      <p:cBhvr>
+                                        <p:cTn id="20" dur="500"/>
+                                        <p:tgtEl>
+                                          <p:spTgt spid="3">
+                                            <p:txEl>
+                                              <p:pRg st="3" end="3"/>
+                                            </p:txEl>
+                                          </p:spTgt>
+                                        </p:tgtEl>
+                                      </p:cBhvr>
+                                    </p:animEffect>
+                                  </p:childTnLst>
+                                </p:cTn>
+                              </p:par>
+                              <p:par>
+                                <p:cTn id="21" presetID="10" presetClass="entr" presetSubtype="0" fill="hold" grpId="0" nodeType="withEffect">
+                                  <p:stCondLst>
+                                    <p:cond delay="0"/>
+                                  </p:stCondLst>
+                                  <p:childTnLst>
+                                    <p:set>
+                                      <p:cBhvr>
+                                        <p:cTn id="22" dur="1" fill="hold">
+                                          <p:stCondLst>
+                                            <p:cond delay="0"/>
+                                          </p:stCondLst>
+                                        </p:cTn>
+                                        <p:tgtEl>
+                                          <p:spTgt spid="3">
+                                            <p:txEl>
+                                              <p:pRg st="4" end="4"/>
+                                            </p:txEl>
+                                          </p:spTgt>
+                                        </p:tgtEl>
+                                        <p:attrNameLst>
+                                          <p:attrName>style.visibility</p:attrName>
+                                        </p:attrNameLst>
+                                      </p:cBhvr>
+                                      <p:to>
+                                        <p:strVal val="visible"/>
+                                      </p:to>
+                                    </p:set>
+                                    <p:animEffect transition="in" filter="fade">
+                                      <p:cBhvr>
+                                        <p:cTn id="23" dur="500"/>
+                                        <p:tgtEl>
+                                          <p:spTgt spid="3">
+                                            <p:txEl>
+                                              <p:pRg st="4" end="4"/>
+                                            </p:txEl>
+                                          </p:spTgt>
+                                        </p:tgtEl>
+                                      </p:cBhvr>
+                                    </p:animEffect>
+                                  </p:childTnLst>
+                                </p:cTn>
+                              </p:par>
+                              <p:par>
+                                <p:cTn id="24" presetID="10" presetClass="entr" presetSubtype="0" fill="hold" grpId="0" nodeType="withEffect">
+                                  <p:stCondLst>
+                                    <p:cond delay="0"/>
+                                  </p:stCondLst>
+                                  <p:childTnLst>
+                                    <p:set>
+                                      <p:cBhvr>
+                                        <p:cTn id="25" dur="1" fill="hold">
+                                          <p:stCondLst>
+                                            <p:cond delay="0"/>
+                                          </p:stCondLst>
+                                        </p:cTn>
+                                        <p:tgtEl>
+                                          <p:spTgt spid="3">
+                                            <p:txEl>
+                                              <p:pRg st="5" end="5"/>
+                                            </p:txEl>
+                                          </p:spTgt>
+                                        </p:tgtEl>
+                                        <p:attrNameLst>
+                                          <p:attrName>style.visibility</p:attrName>
+                                        </p:attrNameLst>
+                                      </p:cBhvr>
+                                      <p:to>
+                                        <p:strVal val="visible"/>
+                                      </p:to>
+                                    </p:set>
+                                    <p:animEffect transition="in" filter="fade">
+                                      <p:cBhvr>
+                                        <p:cTn id="26" dur="500"/>
+                                        <p:tgtEl>
+                                          <p:spTgt spid="3">
+                                            <p:txEl>
+                                              <p:pRg st="5" end="5"/>
+                                            </p:txEl>
+                                          </p:spTgt>
+                                        </p:tgtEl>
+                                      </p:cBhvr>
+                                    </p:animEffect>
+                                  </p:childTnLst>
+                                </p:cTn>
+                              </p:par>
+                            </p:childTnLst>
+                          </p:cTn>
+                        </p:par>
+                      </p:childTnLst>
+                    </p:cTn>
+                  </p:par>
+                </p:childTnLst>
+              </p:cTn>
+              <p:prevCondLst>
+                <p:cond evt="onPrev" delay="0">
+                  <p:tgtEl>
+                    <p:sldTgt/>
+                  </p:tgtEl>
+                </p:cond>
+              </p:prevCondLst>
+              <p:nextCondLst>
+                <p:cond evt="onNext" delay="0">
+                  <p:tgtEl>
+                    <p:sldTgt/>
+                  </p:tgtEl>
+                </p:cond>
+              </p:nextCondLst>
+            </p:seq>
+          </p:childTnLst>
+        </p:cTn>
+      </p:par>
+    </p:tnLst>
+    <p:bldLst>
+      <p:bldP spid="3" grpId="0" build="p"/>
+    </p:bldLst>
+  </p:timing>
 </p:sld>
 </file>
 
@@ -6583,7 +7027,7 @@
           <a:p>
             <a:r>
               <a:rPr lang="en-GB" dirty="0"/>
-              <a:t>Commercial Feasibility </a:t>
+              <a:t>Target Market </a:t>
             </a:r>
           </a:p>
         </p:txBody>
@@ -6605,64 +7049,318 @@
           <a:p>
             <a:pPr>
               <a:lnSpc>
-                <a:spcPct val="250000"/>
+                <a:spcPct val="200000"/>
               </a:lnSpc>
             </a:pPr>
             <a:r>
               <a:rPr lang="en-GB" dirty="0"/>
-              <a:t>Game making tool so could be sold on Unity Asset store</a:t>
+              <a:t>Unity users</a:t>
+            </a:r>
+          </a:p>
+          <a:p>
+            <a:pPr lvl="1">
+              <a:lnSpc>
+                <a:spcPct val="200000"/>
+              </a:lnSpc>
+            </a:pPr>
+            <a:r>
+              <a:rPr lang="en-GB" dirty="0"/>
+              <a:t>Unity Asset store</a:t>
             </a:r>
           </a:p>
           <a:p>
             <a:pPr>
               <a:lnSpc>
-                <a:spcPct val="250000"/>
+                <a:spcPct val="200000"/>
               </a:lnSpc>
             </a:pPr>
             <a:r>
               <a:rPr lang="en-GB" dirty="0"/>
-              <a:t>Best selling Unity Assets are normally $50+</a:t>
+              <a:t>Quick prototyping </a:t>
             </a:r>
           </a:p>
           <a:p>
             <a:pPr>
               <a:lnSpc>
-                <a:spcPct val="250000"/>
+                <a:spcPct val="200000"/>
               </a:lnSpc>
             </a:pPr>
             <a:r>
               <a:rPr lang="en-GB" dirty="0"/>
-              <a:t>Behaviour tree tool on Asset store are more general tools </a:t>
-            </a:r>
-          </a:p>
-          <a:p>
-            <a:pPr>
-              <a:lnSpc>
-                <a:spcPct val="250000"/>
-              </a:lnSpc>
-            </a:pPr>
-            <a:endParaRPr lang="en-GB" dirty="0"/>
-          </a:p>
-          <a:p>
-            <a:pPr>
-              <a:lnSpc>
-                <a:spcPct val="250000"/>
-              </a:lnSpc>
-            </a:pPr>
-            <a:endParaRPr lang="en-GB" dirty="0"/>
+              <a:t>Developers with little code experience</a:t>
+            </a:r>
           </a:p>
         </p:txBody>
       </p:sp>
     </p:spTree>
     <p:extLst>
       <p:ext uri="{BB962C8B-B14F-4D97-AF65-F5344CB8AC3E}">
-        <p14:creationId xmlns:p14="http://schemas.microsoft.com/office/powerpoint/2010/main" val="1607881222"/>
+        <p14:creationId xmlns:p14="http://schemas.microsoft.com/office/powerpoint/2010/main" val="4129928512"/>
       </p:ext>
     </p:extLst>
   </p:cSld>
   <p:clrMapOvr>
     <a:masterClrMapping/>
   </p:clrMapOvr>
+  <p:timing>
+    <p:tnLst>
+      <p:par>
+        <p:cTn id="1" dur="indefinite" restart="never" nodeType="tmRoot">
+          <p:childTnLst>
+            <p:seq concurrent="1" nextAc="seek">
+              <p:cTn id="2" dur="indefinite" nodeType="mainSeq">
+                <p:childTnLst>
+                  <p:par>
+                    <p:cTn id="3" fill="hold">
+                      <p:stCondLst>
+                        <p:cond delay="indefinite"/>
+                      </p:stCondLst>
+                      <p:childTnLst>
+                        <p:par>
+                          <p:cTn id="4" fill="hold">
+                            <p:stCondLst>
+                              <p:cond delay="0"/>
+                            </p:stCondLst>
+                            <p:childTnLst>
+                              <p:par>
+                                <p:cTn id="5" presetID="10" presetClass="entr" presetSubtype="0" fill="hold" grpId="0" nodeType="clickEffect">
+                                  <p:stCondLst>
+                                    <p:cond delay="0"/>
+                                  </p:stCondLst>
+                                  <p:childTnLst>
+                                    <p:set>
+                                      <p:cBhvr>
+                                        <p:cTn id="6" dur="1" fill="hold">
+                                          <p:stCondLst>
+                                            <p:cond delay="0"/>
+                                          </p:stCondLst>
+                                        </p:cTn>
+                                        <p:tgtEl>
+                                          <p:spTgt spid="3">
+                                            <p:txEl>
+                                              <p:pRg st="0" end="0"/>
+                                            </p:txEl>
+                                          </p:spTgt>
+                                        </p:tgtEl>
+                                        <p:attrNameLst>
+                                          <p:attrName>style.visibility</p:attrName>
+                                        </p:attrNameLst>
+                                      </p:cBhvr>
+                                      <p:to>
+                                        <p:strVal val="visible"/>
+                                      </p:to>
+                                    </p:set>
+                                    <p:animEffect transition="in" filter="fade">
+                                      <p:cBhvr>
+                                        <p:cTn id="7" dur="500"/>
+                                        <p:tgtEl>
+                                          <p:spTgt spid="3">
+                                            <p:txEl>
+                                              <p:pRg st="0" end="0"/>
+                                            </p:txEl>
+                                          </p:spTgt>
+                                        </p:tgtEl>
+                                      </p:cBhvr>
+                                    </p:animEffect>
+                                  </p:childTnLst>
+                                </p:cTn>
+                              </p:par>
+                              <p:par>
+                                <p:cTn id="8" presetID="10" presetClass="entr" presetSubtype="0" fill="hold" grpId="0" nodeType="withEffect">
+                                  <p:stCondLst>
+                                    <p:cond delay="0"/>
+                                  </p:stCondLst>
+                                  <p:childTnLst>
+                                    <p:set>
+                                      <p:cBhvr>
+                                        <p:cTn id="9" dur="1" fill="hold">
+                                          <p:stCondLst>
+                                            <p:cond delay="0"/>
+                                          </p:stCondLst>
+                                        </p:cTn>
+                                        <p:tgtEl>
+                                          <p:spTgt spid="3">
+                                            <p:txEl>
+                                              <p:pRg st="1" end="1"/>
+                                            </p:txEl>
+                                          </p:spTgt>
+                                        </p:tgtEl>
+                                        <p:attrNameLst>
+                                          <p:attrName>style.visibility</p:attrName>
+                                        </p:attrNameLst>
+                                      </p:cBhvr>
+                                      <p:to>
+                                        <p:strVal val="visible"/>
+                                      </p:to>
+                                    </p:set>
+                                    <p:animEffect transition="in" filter="fade">
+                                      <p:cBhvr>
+                                        <p:cTn id="10" dur="500"/>
+                                        <p:tgtEl>
+                                          <p:spTgt spid="3">
+                                            <p:txEl>
+                                              <p:pRg st="1" end="1"/>
+                                            </p:txEl>
+                                          </p:spTgt>
+                                        </p:tgtEl>
+                                      </p:cBhvr>
+                                    </p:animEffect>
+                                  </p:childTnLst>
+                                </p:cTn>
+                              </p:par>
+                            </p:childTnLst>
+                          </p:cTn>
+                        </p:par>
+                      </p:childTnLst>
+                    </p:cTn>
+                  </p:par>
+                  <p:par>
+                    <p:cTn id="11" fill="hold">
+                      <p:stCondLst>
+                        <p:cond delay="indefinite"/>
+                      </p:stCondLst>
+                      <p:childTnLst>
+                        <p:par>
+                          <p:cTn id="12" fill="hold">
+                            <p:stCondLst>
+                              <p:cond delay="0"/>
+                            </p:stCondLst>
+                            <p:childTnLst>
+                              <p:par>
+                                <p:cTn id="13" presetID="10" presetClass="entr" presetSubtype="0" fill="hold" grpId="0" nodeType="clickEffect">
+                                  <p:stCondLst>
+                                    <p:cond delay="0"/>
+                                  </p:stCondLst>
+                                  <p:childTnLst>
+                                    <p:set>
+                                      <p:cBhvr>
+                                        <p:cTn id="14" dur="1" fill="hold">
+                                          <p:stCondLst>
+                                            <p:cond delay="0"/>
+                                          </p:stCondLst>
+                                        </p:cTn>
+                                        <p:tgtEl>
+                                          <p:spTgt spid="3">
+                                            <p:txEl>
+                                              <p:pRg st="2" end="2"/>
+                                            </p:txEl>
+                                          </p:spTgt>
+                                        </p:tgtEl>
+                                        <p:attrNameLst>
+                                          <p:attrName>style.visibility</p:attrName>
+                                        </p:attrNameLst>
+                                      </p:cBhvr>
+                                      <p:to>
+                                        <p:strVal val="visible"/>
+                                      </p:to>
+                                    </p:set>
+                                    <p:animEffect transition="in" filter="fade">
+                                      <p:cBhvr>
+                                        <p:cTn id="15" dur="500"/>
+                                        <p:tgtEl>
+                                          <p:spTgt spid="3">
+                                            <p:txEl>
+                                              <p:pRg st="2" end="2"/>
+                                            </p:txEl>
+                                          </p:spTgt>
+                                        </p:tgtEl>
+                                      </p:cBhvr>
+                                    </p:animEffect>
+                                  </p:childTnLst>
+                                </p:cTn>
+                              </p:par>
+                            </p:childTnLst>
+                          </p:cTn>
+                        </p:par>
+                      </p:childTnLst>
+                    </p:cTn>
+                  </p:par>
+                  <p:par>
+                    <p:cTn id="16" fill="hold">
+                      <p:stCondLst>
+                        <p:cond delay="indefinite"/>
+                      </p:stCondLst>
+                      <p:childTnLst>
+                        <p:par>
+                          <p:cTn id="17" fill="hold">
+                            <p:stCondLst>
+                              <p:cond delay="0"/>
+                            </p:stCondLst>
+                            <p:childTnLst>
+                              <p:par>
+                                <p:cTn id="18" presetID="10" presetClass="entr" presetSubtype="0" fill="hold" grpId="0" nodeType="clickEffect">
+                                  <p:stCondLst>
+                                    <p:cond delay="0"/>
+                                  </p:stCondLst>
+                                  <p:childTnLst>
+                                    <p:set>
+                                      <p:cBhvr>
+                                        <p:cTn id="19" dur="1" fill="hold">
+                                          <p:stCondLst>
+                                            <p:cond delay="0"/>
+                                          </p:stCondLst>
+                                        </p:cTn>
+                                        <p:tgtEl>
+                                          <p:spTgt spid="3">
+                                            <p:txEl>
+                                              <p:pRg st="3" end="3"/>
+                                            </p:txEl>
+                                          </p:spTgt>
+                                        </p:tgtEl>
+                                        <p:attrNameLst>
+                                          <p:attrName>style.visibility</p:attrName>
+                                        </p:attrNameLst>
+                                      </p:cBhvr>
+                                      <p:to>
+                                        <p:strVal val="visible"/>
+                                      </p:to>
+                                    </p:set>
+                                    <p:animEffect transition="in" filter="fade">
+                                      <p:cBhvr>
+                                        <p:cTn id="20" dur="500"/>
+                                        <p:tgtEl>
+                                          <p:spTgt spid="3">
+                                            <p:txEl>
+                                              <p:pRg st="3" end="3"/>
+                                            </p:txEl>
+                                          </p:spTgt>
+                                        </p:tgtEl>
+                                      </p:cBhvr>
+                                    </p:animEffect>
+                                  </p:childTnLst>
+                                </p:cTn>
+                              </p:par>
+                            </p:childTnLst>
+                          </p:cTn>
+                        </p:par>
+                      </p:childTnLst>
+                    </p:cTn>
+                  </p:par>
+                </p:childTnLst>
+              </p:cTn>
+              <p:prevCondLst>
+                <p:cond evt="onPrev" delay="0">
+                  <p:tgtEl>
+                    <p:sldTgt/>
+                  </p:tgtEl>
+                </p:cond>
+              </p:prevCondLst>
+              <p:nextCondLst>
+                <p:cond evt="onNext" delay="0">
+                  <p:tgtEl>
+                    <p:sldTgt/>
+                  </p:tgtEl>
+                </p:cond>
+              </p:nextCondLst>
+            </p:seq>
+          </p:childTnLst>
+        </p:cTn>
+      </p:par>
+    </p:tnLst>
+    <p:bldLst>
+      <p:bldP spid="3" grpId="0" build="p"/>
+    </p:bldLst>
+  </p:timing>
 </p:sld>
 </file>
 
@@ -6690,7 +7388,7 @@
             <a:spLocks noGrp="1"/>
           </p:cNvSpPr>
           <p:nvPr>
-            <p:ph type="ctrTitle"/>
+            <p:ph type="title"/>
           </p:nvPr>
         </p:nvSpPr>
         <p:spPr/>
@@ -6700,19 +7398,19 @@
           <a:p>
             <a:r>
               <a:rPr lang="en-GB" dirty="0"/>
-              <a:t>Components Combined</a:t>
-            </a:r>
-          </a:p>
-        </p:txBody>
-      </p:sp>
-      <p:sp>
-        <p:nvSpPr>
-          <p:cNvPr id="3" name="Subtitle 2"/>
-          <p:cNvSpPr>
-            <a:spLocks noGrp="1"/>
-          </p:cNvSpPr>
-          <p:nvPr>
-            <p:ph type="subTitle" idx="1"/>
+              <a:t>Commercial Feasibility </a:t>
+            </a:r>
+          </a:p>
+        </p:txBody>
+      </p:sp>
+      <p:sp>
+        <p:nvSpPr>
+          <p:cNvPr id="3" name="Content Placeholder 2"/>
+          <p:cNvSpPr>
+            <a:spLocks noGrp="1"/>
+          </p:cNvSpPr>
+          <p:nvPr>
+            <p:ph idx="1"/>
           </p:nvPr>
         </p:nvSpPr>
         <p:spPr/>
@@ -6720,23 +7418,282 @@
           <a:bodyPr/>
           <a:lstStyle/>
           <a:p>
+            <a:pPr>
+              <a:lnSpc>
+                <a:spcPct val="250000"/>
+              </a:lnSpc>
+            </a:pPr>
             <a:r>
               <a:rPr lang="en-GB" dirty="0"/>
-              <a:t>COMP230 Component</a:t>
-            </a:r>
+              <a:t>Game making tool so could be sold on Unity Asset store</a:t>
+            </a:r>
+          </a:p>
+          <a:p>
+            <a:pPr>
+              <a:lnSpc>
+                <a:spcPct val="250000"/>
+              </a:lnSpc>
+            </a:pPr>
+            <a:r>
+              <a:rPr lang="en-GB" dirty="0"/>
+              <a:t>Best selling Unity Assets are normally $50+</a:t>
+            </a:r>
+          </a:p>
+          <a:p>
+            <a:pPr>
+              <a:lnSpc>
+                <a:spcPct val="250000"/>
+              </a:lnSpc>
+            </a:pPr>
+            <a:r>
+              <a:rPr lang="en-GB" dirty="0"/>
+              <a:t>Behaviour tree tool on Asset store are more general tools </a:t>
+            </a:r>
+          </a:p>
+          <a:p>
+            <a:pPr>
+              <a:lnSpc>
+                <a:spcPct val="250000"/>
+              </a:lnSpc>
+            </a:pPr>
+            <a:endParaRPr lang="en-GB" dirty="0"/>
+          </a:p>
+          <a:p>
+            <a:pPr>
+              <a:lnSpc>
+                <a:spcPct val="250000"/>
+              </a:lnSpc>
+            </a:pPr>
+            <a:endParaRPr lang="en-GB" dirty="0"/>
           </a:p>
         </p:txBody>
       </p:sp>
     </p:spTree>
     <p:extLst>
       <p:ext uri="{BB962C8B-B14F-4D97-AF65-F5344CB8AC3E}">
-        <p14:creationId xmlns:p14="http://schemas.microsoft.com/office/powerpoint/2010/main" val="1413069069"/>
+        <p14:creationId xmlns:p14="http://schemas.microsoft.com/office/powerpoint/2010/main" val="1607881222"/>
       </p:ext>
     </p:extLst>
   </p:cSld>
   <p:clrMapOvr>
     <a:masterClrMapping/>
   </p:clrMapOvr>
+  <p:timing>
+    <p:tnLst>
+      <p:par>
+        <p:cTn id="1" dur="indefinite" restart="never" nodeType="tmRoot">
+          <p:childTnLst>
+            <p:seq concurrent="1" nextAc="seek">
+              <p:cTn id="2" dur="indefinite" nodeType="mainSeq">
+                <p:childTnLst>
+                  <p:par>
+                    <p:cTn id="3" fill="hold">
+                      <p:stCondLst>
+                        <p:cond delay="indefinite"/>
+                      </p:stCondLst>
+                      <p:childTnLst>
+                        <p:par>
+                          <p:cTn id="4" fill="hold">
+                            <p:stCondLst>
+                              <p:cond delay="0"/>
+                            </p:stCondLst>
+                            <p:childTnLst>
+                              <p:par>
+                                <p:cTn id="5" presetID="10" presetClass="entr" presetSubtype="0" fill="hold" grpId="0" nodeType="clickEffect">
+                                  <p:stCondLst>
+                                    <p:cond delay="0"/>
+                                  </p:stCondLst>
+                                  <p:childTnLst>
+                                    <p:set>
+                                      <p:cBhvr>
+                                        <p:cTn id="6" dur="1" fill="hold">
+                                          <p:stCondLst>
+                                            <p:cond delay="0"/>
+                                          </p:stCondLst>
+                                        </p:cTn>
+                                        <p:tgtEl>
+                                          <p:spTgt spid="3">
+                                            <p:txEl>
+                                              <p:pRg st="0" end="0"/>
+                                            </p:txEl>
+                                          </p:spTgt>
+                                        </p:tgtEl>
+                                        <p:attrNameLst>
+                                          <p:attrName>style.visibility</p:attrName>
+                                        </p:attrNameLst>
+                                      </p:cBhvr>
+                                      <p:to>
+                                        <p:strVal val="visible"/>
+                                      </p:to>
+                                    </p:set>
+                                    <p:animEffect transition="in" filter="fade">
+                                      <p:cBhvr>
+                                        <p:cTn id="7" dur="500"/>
+                                        <p:tgtEl>
+                                          <p:spTgt spid="3">
+                                            <p:txEl>
+                                              <p:pRg st="0" end="0"/>
+                                            </p:txEl>
+                                          </p:spTgt>
+                                        </p:tgtEl>
+                                      </p:cBhvr>
+                                    </p:animEffect>
+                                  </p:childTnLst>
+                                </p:cTn>
+                              </p:par>
+                            </p:childTnLst>
+                          </p:cTn>
+                        </p:par>
+                      </p:childTnLst>
+                    </p:cTn>
+                  </p:par>
+                  <p:par>
+                    <p:cTn id="8" fill="hold">
+                      <p:stCondLst>
+                        <p:cond delay="indefinite"/>
+                      </p:stCondLst>
+                      <p:childTnLst>
+                        <p:par>
+                          <p:cTn id="9" fill="hold">
+                            <p:stCondLst>
+                              <p:cond delay="0"/>
+                            </p:stCondLst>
+                            <p:childTnLst>
+                              <p:par>
+                                <p:cTn id="10" presetID="10" presetClass="entr" presetSubtype="0" fill="hold" grpId="0" nodeType="clickEffect">
+                                  <p:stCondLst>
+                                    <p:cond delay="0"/>
+                                  </p:stCondLst>
+                                  <p:childTnLst>
+                                    <p:set>
+                                      <p:cBhvr>
+                                        <p:cTn id="11" dur="1" fill="hold">
+                                          <p:stCondLst>
+                                            <p:cond delay="0"/>
+                                          </p:stCondLst>
+                                        </p:cTn>
+                                        <p:tgtEl>
+                                          <p:spTgt spid="3">
+                                            <p:txEl>
+                                              <p:pRg st="1" end="1"/>
+                                            </p:txEl>
+                                          </p:spTgt>
+                                        </p:tgtEl>
+                                        <p:attrNameLst>
+                                          <p:attrName>style.visibility</p:attrName>
+                                        </p:attrNameLst>
+                                      </p:cBhvr>
+                                      <p:to>
+                                        <p:strVal val="visible"/>
+                                      </p:to>
+                                    </p:set>
+                                    <p:animEffect transition="in" filter="fade">
+                                      <p:cBhvr>
+                                        <p:cTn id="12" dur="500"/>
+                                        <p:tgtEl>
+                                          <p:spTgt spid="3">
+                                            <p:txEl>
+                                              <p:pRg st="1" end="1"/>
+                                            </p:txEl>
+                                          </p:spTgt>
+                                        </p:tgtEl>
+                                      </p:cBhvr>
+                                    </p:animEffect>
+                                  </p:childTnLst>
+                                </p:cTn>
+                              </p:par>
+                            </p:childTnLst>
+                          </p:cTn>
+                        </p:par>
+                      </p:childTnLst>
+                    </p:cTn>
+                  </p:par>
+                  <p:par>
+                    <p:cTn id="13" fill="hold">
+                      <p:stCondLst>
+                        <p:cond delay="indefinite"/>
+                      </p:stCondLst>
+                      <p:childTnLst>
+                        <p:par>
+                          <p:cTn id="14" fill="hold">
+                            <p:stCondLst>
+                              <p:cond delay="0"/>
+                            </p:stCondLst>
+                            <p:childTnLst>
+                              <p:par>
+                                <p:cTn id="15" presetID="10" presetClass="entr" presetSubtype="0" fill="hold" grpId="0" nodeType="clickEffect">
+                                  <p:stCondLst>
+                                    <p:cond delay="0"/>
+                                  </p:stCondLst>
+                                  <p:childTnLst>
+                                    <p:set>
+                                      <p:cBhvr>
+                                        <p:cTn id="16" dur="1" fill="hold">
+                                          <p:stCondLst>
+                                            <p:cond delay="0"/>
+                                          </p:stCondLst>
+                                        </p:cTn>
+                                        <p:tgtEl>
+                                          <p:spTgt spid="3">
+                                            <p:txEl>
+                                              <p:pRg st="2" end="2"/>
+                                            </p:txEl>
+                                          </p:spTgt>
+                                        </p:tgtEl>
+                                        <p:attrNameLst>
+                                          <p:attrName>style.visibility</p:attrName>
+                                        </p:attrNameLst>
+                                      </p:cBhvr>
+                                      <p:to>
+                                        <p:strVal val="visible"/>
+                                      </p:to>
+                                    </p:set>
+                                    <p:animEffect transition="in" filter="fade">
+                                      <p:cBhvr>
+                                        <p:cTn id="17" dur="500"/>
+                                        <p:tgtEl>
+                                          <p:spTgt spid="3">
+                                            <p:txEl>
+                                              <p:pRg st="2" end="2"/>
+                                            </p:txEl>
+                                          </p:spTgt>
+                                        </p:tgtEl>
+                                      </p:cBhvr>
+                                    </p:animEffect>
+                                  </p:childTnLst>
+                                </p:cTn>
+                              </p:par>
+                            </p:childTnLst>
+                          </p:cTn>
+                        </p:par>
+                      </p:childTnLst>
+                    </p:cTn>
+                  </p:par>
+                </p:childTnLst>
+              </p:cTn>
+              <p:prevCondLst>
+                <p:cond evt="onPrev" delay="0">
+                  <p:tgtEl>
+                    <p:sldTgt/>
+                  </p:tgtEl>
+                </p:cond>
+              </p:prevCondLst>
+              <p:nextCondLst>
+                <p:cond evt="onNext" delay="0">
+                  <p:tgtEl>
+                    <p:sldTgt/>
+                  </p:tgtEl>
+                </p:cond>
+              </p:nextCondLst>
+            </p:seq>
+          </p:childTnLst>
+        </p:cTn>
+      </p:par>
+    </p:tnLst>
+    <p:bldLst>
+      <p:bldP spid="3" grpId="0" build="p"/>
+    </p:bldLst>
+  </p:timing>
 </p:sld>
 </file>
 
@@ -6774,7 +7731,7 @@
           <a:p>
             <a:r>
               <a:rPr lang="en-GB" dirty="0"/>
-              <a:t>Pathfinding</a:t>
+              <a:t>Technical Feasibility </a:t>
             </a:r>
           </a:p>
         </p:txBody>
@@ -6793,51 +7750,275 @@
         <p:txBody>
           <a:bodyPr/>
           <a:lstStyle/>
+          <a:p>
+            <a:pPr>
+              <a:lnSpc>
+                <a:spcPct val="250000"/>
+              </a:lnSpc>
+            </a:pPr>
+            <a:r>
+              <a:rPr lang="en-GB" dirty="0"/>
+              <a:t>Scope depends on number of branches</a:t>
+            </a:r>
+          </a:p>
+          <a:p>
+            <a:pPr>
+              <a:lnSpc>
+                <a:spcPct val="250000"/>
+              </a:lnSpc>
+            </a:pPr>
+            <a:r>
+              <a:rPr lang="en-GB" dirty="0"/>
+              <a:t>Branches just call functions from companion</a:t>
+            </a:r>
+          </a:p>
+          <a:p>
+            <a:pPr>
+              <a:lnSpc>
+                <a:spcPct val="250000"/>
+              </a:lnSpc>
+            </a:pPr>
+            <a:r>
+              <a:rPr lang="en-GB" dirty="0"/>
+              <a:t>Once the base nodes work adding and altering branches is easy</a:t>
+            </a:r>
+          </a:p>
           <a:p>
             <a:pPr>
               <a:lnSpc>
                 <a:spcPct val="200000"/>
               </a:lnSpc>
             </a:pPr>
-            <a:r>
-              <a:rPr lang="en-GB" dirty="0"/>
-              <a:t>Both components require pathfinding</a:t>
-            </a:r>
-          </a:p>
-          <a:p>
-            <a:pPr lvl="1">
-              <a:lnSpc>
-                <a:spcPct val="200000"/>
-              </a:lnSpc>
-            </a:pPr>
-            <a:r>
-              <a:rPr lang="en-GB" dirty="0"/>
-              <a:t>Paths generated with terrain can be passed into AI to guide player</a:t>
-            </a:r>
-          </a:p>
-          <a:p>
-            <a:pPr>
-              <a:lnSpc>
-                <a:spcPct val="200000"/>
-              </a:lnSpc>
-            </a:pPr>
-            <a:r>
-              <a:rPr lang="en-GB" dirty="0"/>
-              <a:t>AI will only find enemies and objects if player can reach them</a:t>
-            </a:r>
+            <a:endParaRPr lang="en-GB" dirty="0"/>
           </a:p>
         </p:txBody>
       </p:sp>
     </p:spTree>
     <p:extLst>
       <p:ext uri="{BB962C8B-B14F-4D97-AF65-F5344CB8AC3E}">
-        <p14:creationId xmlns:p14="http://schemas.microsoft.com/office/powerpoint/2010/main" val="2339563425"/>
+        <p14:creationId xmlns:p14="http://schemas.microsoft.com/office/powerpoint/2010/main" val="2978372015"/>
       </p:ext>
     </p:extLst>
   </p:cSld>
   <p:clrMapOvr>
     <a:masterClrMapping/>
   </p:clrMapOvr>
+  <p:timing>
+    <p:tnLst>
+      <p:par>
+        <p:cTn id="1" dur="indefinite" restart="never" nodeType="tmRoot">
+          <p:childTnLst>
+            <p:seq concurrent="1" nextAc="seek">
+              <p:cTn id="2" dur="indefinite" nodeType="mainSeq">
+                <p:childTnLst>
+                  <p:par>
+                    <p:cTn id="3" fill="hold">
+                      <p:stCondLst>
+                        <p:cond delay="indefinite"/>
+                      </p:stCondLst>
+                      <p:childTnLst>
+                        <p:par>
+                          <p:cTn id="4" fill="hold">
+                            <p:stCondLst>
+                              <p:cond delay="0"/>
+                            </p:stCondLst>
+                            <p:childTnLst>
+                              <p:par>
+                                <p:cTn id="5" presetID="10" presetClass="entr" presetSubtype="0" fill="hold" grpId="0" nodeType="clickEffect">
+                                  <p:stCondLst>
+                                    <p:cond delay="0"/>
+                                  </p:stCondLst>
+                                  <p:childTnLst>
+                                    <p:set>
+                                      <p:cBhvr>
+                                        <p:cTn id="6" dur="1" fill="hold">
+                                          <p:stCondLst>
+                                            <p:cond delay="0"/>
+                                          </p:stCondLst>
+                                        </p:cTn>
+                                        <p:tgtEl>
+                                          <p:spTgt spid="3">
+                                            <p:txEl>
+                                              <p:pRg st="0" end="0"/>
+                                            </p:txEl>
+                                          </p:spTgt>
+                                        </p:tgtEl>
+                                        <p:attrNameLst>
+                                          <p:attrName>style.visibility</p:attrName>
+                                        </p:attrNameLst>
+                                      </p:cBhvr>
+                                      <p:to>
+                                        <p:strVal val="visible"/>
+                                      </p:to>
+                                    </p:set>
+                                    <p:animEffect transition="in" filter="fade">
+                                      <p:cBhvr>
+                                        <p:cTn id="7" dur="500"/>
+                                        <p:tgtEl>
+                                          <p:spTgt spid="3">
+                                            <p:txEl>
+                                              <p:pRg st="0" end="0"/>
+                                            </p:txEl>
+                                          </p:spTgt>
+                                        </p:tgtEl>
+                                      </p:cBhvr>
+                                    </p:animEffect>
+                                  </p:childTnLst>
+                                </p:cTn>
+                              </p:par>
+                            </p:childTnLst>
+                          </p:cTn>
+                        </p:par>
+                      </p:childTnLst>
+                    </p:cTn>
+                  </p:par>
+                  <p:par>
+                    <p:cTn id="8" fill="hold">
+                      <p:stCondLst>
+                        <p:cond delay="indefinite"/>
+                      </p:stCondLst>
+                      <p:childTnLst>
+                        <p:par>
+                          <p:cTn id="9" fill="hold">
+                            <p:stCondLst>
+                              <p:cond delay="0"/>
+                            </p:stCondLst>
+                            <p:childTnLst>
+                              <p:par>
+                                <p:cTn id="10" presetID="10" presetClass="entr" presetSubtype="0" fill="hold" grpId="0" nodeType="clickEffect">
+                                  <p:stCondLst>
+                                    <p:cond delay="0"/>
+                                  </p:stCondLst>
+                                  <p:childTnLst>
+                                    <p:set>
+                                      <p:cBhvr>
+                                        <p:cTn id="11" dur="1" fill="hold">
+                                          <p:stCondLst>
+                                            <p:cond delay="0"/>
+                                          </p:stCondLst>
+                                        </p:cTn>
+                                        <p:tgtEl>
+                                          <p:spTgt spid="3">
+                                            <p:txEl>
+                                              <p:pRg st="1" end="1"/>
+                                            </p:txEl>
+                                          </p:spTgt>
+                                        </p:tgtEl>
+                                        <p:attrNameLst>
+                                          <p:attrName>style.visibility</p:attrName>
+                                        </p:attrNameLst>
+                                      </p:cBhvr>
+                                      <p:to>
+                                        <p:strVal val="visible"/>
+                                      </p:to>
+                                    </p:set>
+                                    <p:animEffect transition="in" filter="fade">
+                                      <p:cBhvr>
+                                        <p:cTn id="12" dur="500"/>
+                                        <p:tgtEl>
+                                          <p:spTgt spid="3">
+                                            <p:txEl>
+                                              <p:pRg st="1" end="1"/>
+                                            </p:txEl>
+                                          </p:spTgt>
+                                        </p:tgtEl>
+                                      </p:cBhvr>
+                                    </p:animEffect>
+                                  </p:childTnLst>
+                                </p:cTn>
+                              </p:par>
+                            </p:childTnLst>
+                          </p:cTn>
+                        </p:par>
+                      </p:childTnLst>
+                    </p:cTn>
+                  </p:par>
+                  <p:par>
+                    <p:cTn id="13" fill="hold">
+                      <p:stCondLst>
+                        <p:cond delay="indefinite"/>
+                      </p:stCondLst>
+                      <p:childTnLst>
+                        <p:par>
+                          <p:cTn id="14" fill="hold">
+                            <p:stCondLst>
+                              <p:cond delay="0"/>
+                            </p:stCondLst>
+                            <p:childTnLst>
+                              <p:par>
+                                <p:cTn id="15" presetID="10" presetClass="entr" presetSubtype="0" fill="hold" grpId="0" nodeType="clickEffect">
+                                  <p:stCondLst>
+                                    <p:cond delay="0"/>
+                                  </p:stCondLst>
+                                  <p:childTnLst>
+                                    <p:set>
+                                      <p:cBhvr>
+                                        <p:cTn id="16" dur="1" fill="hold">
+                                          <p:stCondLst>
+                                            <p:cond delay="0"/>
+                                          </p:stCondLst>
+                                        </p:cTn>
+                                        <p:tgtEl>
+                                          <p:spTgt spid="3">
+                                            <p:txEl>
+                                              <p:pRg st="2" end="2"/>
+                                            </p:txEl>
+                                          </p:spTgt>
+                                        </p:tgtEl>
+                                        <p:attrNameLst>
+                                          <p:attrName>style.visibility</p:attrName>
+                                        </p:attrNameLst>
+                                      </p:cBhvr>
+                                      <p:to>
+                                        <p:strVal val="visible"/>
+                                      </p:to>
+                                    </p:set>
+                                    <p:animEffect transition="in" filter="fade">
+                                      <p:cBhvr>
+                                        <p:cTn id="17" dur="500"/>
+                                        <p:tgtEl>
+                                          <p:spTgt spid="3">
+                                            <p:txEl>
+                                              <p:pRg st="2" end="2"/>
+                                            </p:txEl>
+                                          </p:spTgt>
+                                        </p:tgtEl>
+                                      </p:cBhvr>
+                                    </p:animEffect>
+                                  </p:childTnLst>
+                                </p:cTn>
+                              </p:par>
+                            </p:childTnLst>
+                          </p:cTn>
+                        </p:par>
+                      </p:childTnLst>
+                    </p:cTn>
+                  </p:par>
+                </p:childTnLst>
+              </p:cTn>
+              <p:prevCondLst>
+                <p:cond evt="onPrev" delay="0">
+                  <p:tgtEl>
+                    <p:sldTgt/>
+                  </p:tgtEl>
+                </p:cond>
+              </p:prevCondLst>
+              <p:nextCondLst>
+                <p:cond evt="onNext" delay="0">
+                  <p:tgtEl>
+                    <p:sldTgt/>
+                  </p:tgtEl>
+                </p:cond>
+              </p:nextCondLst>
+            </p:seq>
+          </p:childTnLst>
+        </p:cTn>
+      </p:par>
+    </p:tnLst>
+    <p:bldLst>
+      <p:bldP spid="3" grpId="0" build="p"/>
+    </p:bldLst>
+  </p:timing>
 </p:sld>
 </file>
 
@@ -6875,7 +8056,7 @@
           <a:p>
             <a:r>
               <a:rPr lang="en-GB" dirty="0"/>
-              <a:t>Demo</a:t>
+              <a:t>Components Combined</a:t>
             </a:r>
           </a:p>
         </p:txBody>
@@ -6895,14 +8076,17 @@
           <a:bodyPr/>
           <a:lstStyle/>
           <a:p>
-            <a:endParaRPr lang="en-GB"/>
+            <a:r>
+              <a:rPr lang="en-GB" dirty="0"/>
+              <a:t>COMP230 Component</a:t>
+            </a:r>
           </a:p>
         </p:txBody>
       </p:sp>
     </p:spTree>
     <p:extLst>
       <p:ext uri="{BB962C8B-B14F-4D97-AF65-F5344CB8AC3E}">
-        <p14:creationId xmlns:p14="http://schemas.microsoft.com/office/powerpoint/2010/main" val="2168249203"/>
+        <p14:creationId xmlns:p14="http://schemas.microsoft.com/office/powerpoint/2010/main" val="1413069069"/>
       </p:ext>
     </p:extLst>
   </p:cSld>
@@ -6936,6 +8120,178 @@
             <a:spLocks noGrp="1"/>
           </p:cNvSpPr>
           <p:nvPr>
+            <p:ph type="title"/>
+          </p:nvPr>
+        </p:nvSpPr>
+        <p:spPr/>
+        <p:txBody>
+          <a:bodyPr/>
+          <a:lstStyle/>
+          <a:p>
+            <a:r>
+              <a:rPr lang="en-GB" dirty="0"/>
+              <a:t>Pathfinding</a:t>
+            </a:r>
+          </a:p>
+        </p:txBody>
+      </p:sp>
+      <p:sp>
+        <p:nvSpPr>
+          <p:cNvPr id="3" name="Content Placeholder 2"/>
+          <p:cNvSpPr>
+            <a:spLocks noGrp="1"/>
+          </p:cNvSpPr>
+          <p:nvPr>
+            <p:ph idx="1"/>
+          </p:nvPr>
+        </p:nvSpPr>
+        <p:spPr/>
+        <p:txBody>
+          <a:bodyPr/>
+          <a:lstStyle/>
+          <a:p>
+            <a:pPr>
+              <a:lnSpc>
+                <a:spcPct val="200000"/>
+              </a:lnSpc>
+            </a:pPr>
+            <a:r>
+              <a:rPr lang="en-GB" dirty="0"/>
+              <a:t>Both components require pathfinding</a:t>
+            </a:r>
+          </a:p>
+          <a:p>
+            <a:pPr lvl="1">
+              <a:lnSpc>
+                <a:spcPct val="200000"/>
+              </a:lnSpc>
+            </a:pPr>
+            <a:r>
+              <a:rPr lang="en-GB" dirty="0"/>
+              <a:t>Paths generated with terrain can be passed into AI to guide player</a:t>
+            </a:r>
+          </a:p>
+          <a:p>
+            <a:pPr>
+              <a:lnSpc>
+                <a:spcPct val="200000"/>
+              </a:lnSpc>
+            </a:pPr>
+            <a:r>
+              <a:rPr lang="en-GB" dirty="0"/>
+              <a:t>AI will only find enemies and objects if player can reach them</a:t>
+            </a:r>
+          </a:p>
+        </p:txBody>
+      </p:sp>
+    </p:spTree>
+    <p:extLst>
+      <p:ext uri="{BB962C8B-B14F-4D97-AF65-F5344CB8AC3E}">
+        <p14:creationId xmlns:p14="http://schemas.microsoft.com/office/powerpoint/2010/main" val="2339563425"/>
+      </p:ext>
+    </p:extLst>
+  </p:cSld>
+  <p:clrMapOvr>
+    <a:masterClrMapping/>
+  </p:clrMapOvr>
+</p:sld>
+</file>
+
+<file path=ppt/slides/slide17.xml><?xml version="1.0" encoding="utf-8"?>
+<p:sld xmlns:a="http://schemas.openxmlformats.org/drawingml/2006/main" xmlns:r="http://schemas.openxmlformats.org/officeDocument/2006/relationships" xmlns:p="http://schemas.openxmlformats.org/presentationml/2006/main">
+  <p:cSld>
+    <p:spTree>
+      <p:nvGrpSpPr>
+        <p:cNvPr id="1" name=""/>
+        <p:cNvGrpSpPr/>
+        <p:nvPr/>
+      </p:nvGrpSpPr>
+      <p:grpSpPr>
+        <a:xfrm>
+          <a:off x="0" y="0"/>
+          <a:ext cx="0" cy="0"/>
+          <a:chOff x="0" y="0"/>
+          <a:chExt cx="0" cy="0"/>
+        </a:xfrm>
+      </p:grpSpPr>
+      <p:sp>
+        <p:nvSpPr>
+          <p:cNvPr id="2" name="Title 1"/>
+          <p:cNvSpPr>
+            <a:spLocks noGrp="1"/>
+          </p:cNvSpPr>
+          <p:nvPr>
+            <p:ph type="ctrTitle"/>
+          </p:nvPr>
+        </p:nvSpPr>
+        <p:spPr/>
+        <p:txBody>
+          <a:bodyPr/>
+          <a:lstStyle/>
+          <a:p>
+            <a:r>
+              <a:rPr lang="en-GB" dirty="0"/>
+              <a:t>Demo</a:t>
+            </a:r>
+          </a:p>
+        </p:txBody>
+      </p:sp>
+      <p:sp>
+        <p:nvSpPr>
+          <p:cNvPr id="3" name="Subtitle 2"/>
+          <p:cNvSpPr>
+            <a:spLocks noGrp="1"/>
+          </p:cNvSpPr>
+          <p:nvPr>
+            <p:ph type="subTitle" idx="1"/>
+          </p:nvPr>
+        </p:nvSpPr>
+        <p:spPr/>
+        <p:txBody>
+          <a:bodyPr/>
+          <a:lstStyle/>
+          <a:p>
+            <a:endParaRPr lang="en-GB"/>
+          </a:p>
+        </p:txBody>
+      </p:sp>
+    </p:spTree>
+    <p:extLst>
+      <p:ext uri="{BB962C8B-B14F-4D97-AF65-F5344CB8AC3E}">
+        <p14:creationId xmlns:p14="http://schemas.microsoft.com/office/powerpoint/2010/main" val="2168249203"/>
+      </p:ext>
+    </p:extLst>
+  </p:cSld>
+  <p:clrMapOvr>
+    <a:masterClrMapping/>
+  </p:clrMapOvr>
+</p:sld>
+</file>
+
+<file path=ppt/slides/slide18.xml><?xml version="1.0" encoding="utf-8"?>
+<p:sld xmlns:a="http://schemas.openxmlformats.org/drawingml/2006/main" xmlns:r="http://schemas.openxmlformats.org/officeDocument/2006/relationships" xmlns:p="http://schemas.openxmlformats.org/presentationml/2006/main">
+  <p:cSld>
+    <p:spTree>
+      <p:nvGrpSpPr>
+        <p:cNvPr id="1" name=""/>
+        <p:cNvGrpSpPr/>
+        <p:nvPr/>
+      </p:nvGrpSpPr>
+      <p:grpSpPr>
+        <a:xfrm>
+          <a:off x="0" y="0"/>
+          <a:ext cx="0" cy="0"/>
+          <a:chOff x="0" y="0"/>
+          <a:chExt cx="0" cy="0"/>
+        </a:xfrm>
+      </p:grpSpPr>
+      <p:sp>
+        <p:nvSpPr>
+          <p:cNvPr id="2" name="Title 1"/>
+          <p:cNvSpPr>
+            <a:spLocks noGrp="1"/>
+          </p:cNvSpPr>
+          <p:nvPr>
             <p:ph type="ctrTitle"/>
           </p:nvPr>
         </p:nvSpPr>
@@ -6948,7 +8304,6 @@
               <a:rPr lang="en-GB"/>
               <a:t>Questions</a:t>
             </a:r>
-            <a:endParaRPr lang="en-GB"/>
           </a:p>
         </p:txBody>
       </p:sp>
@@ -7703,45 +9058,45 @@
           <a:p>
             <a:pPr>
               <a:lnSpc>
-                <a:spcPct val="150000"/>
+                <a:spcPct val="200000"/>
               </a:lnSpc>
             </a:pPr>
             <a:r>
               <a:rPr lang="en-GB" sz="2000" dirty="0"/>
-              <a:t>Using a behaviour tree</a:t>
+              <a:t>Tool for companion AI</a:t>
             </a:r>
           </a:p>
           <a:p>
             <a:pPr>
               <a:lnSpc>
-                <a:spcPct val="150000"/>
+                <a:spcPct val="200000"/>
               </a:lnSpc>
             </a:pPr>
             <a:r>
               <a:rPr lang="en-GB" sz="2000" dirty="0"/>
-              <a:t>Will be adaptable to most animals</a:t>
+              <a:t>Adaptable to most animals</a:t>
             </a:r>
           </a:p>
           <a:p>
             <a:pPr lvl="1">
               <a:lnSpc>
-                <a:spcPct val="150000"/>
+                <a:spcPct val="200000"/>
               </a:lnSpc>
             </a:pPr>
             <a:r>
               <a:rPr lang="en-GB" sz="1800" dirty="0"/>
-              <a:t>Current version currently designed for falcons</a:t>
+              <a:t>Current version designed for falcons</a:t>
             </a:r>
           </a:p>
           <a:p>
             <a:pPr>
               <a:lnSpc>
-                <a:spcPct val="150000"/>
+                <a:spcPct val="200000"/>
               </a:lnSpc>
             </a:pPr>
             <a:r>
               <a:rPr lang="en-GB" sz="2000" dirty="0"/>
-              <a:t>Easy to add, remove and alter branches</a:t>
+              <a:t>Uses a behaviour tree</a:t>
             </a:r>
           </a:p>
         </p:txBody>
@@ -7756,6 +9111,265 @@
   <p:clrMapOvr>
     <a:masterClrMapping/>
   </p:clrMapOvr>
+  <p:timing>
+    <p:tnLst>
+      <p:par>
+        <p:cTn id="1" dur="indefinite" restart="never" nodeType="tmRoot">
+          <p:childTnLst>
+            <p:seq concurrent="1" nextAc="seek">
+              <p:cTn id="2" dur="indefinite" nodeType="mainSeq">
+                <p:childTnLst>
+                  <p:par>
+                    <p:cTn id="3" fill="hold">
+                      <p:stCondLst>
+                        <p:cond delay="indefinite"/>
+                      </p:stCondLst>
+                      <p:childTnLst>
+                        <p:par>
+                          <p:cTn id="4" fill="hold">
+                            <p:stCondLst>
+                              <p:cond delay="0"/>
+                            </p:stCondLst>
+                            <p:childTnLst>
+                              <p:par>
+                                <p:cTn id="5" presetID="10" presetClass="entr" presetSubtype="0" fill="hold" grpId="0" nodeType="clickEffect">
+                                  <p:stCondLst>
+                                    <p:cond delay="0"/>
+                                  </p:stCondLst>
+                                  <p:childTnLst>
+                                    <p:set>
+                                      <p:cBhvr>
+                                        <p:cTn id="6" dur="1" fill="hold">
+                                          <p:stCondLst>
+                                            <p:cond delay="0"/>
+                                          </p:stCondLst>
+                                        </p:cTn>
+                                        <p:tgtEl>
+                                          <p:spTgt spid="3">
+                                            <p:txEl>
+                                              <p:pRg st="0" end="0"/>
+                                            </p:txEl>
+                                          </p:spTgt>
+                                        </p:tgtEl>
+                                        <p:attrNameLst>
+                                          <p:attrName>style.visibility</p:attrName>
+                                        </p:attrNameLst>
+                                      </p:cBhvr>
+                                      <p:to>
+                                        <p:strVal val="visible"/>
+                                      </p:to>
+                                    </p:set>
+                                    <p:animEffect transition="in" filter="fade">
+                                      <p:cBhvr>
+                                        <p:cTn id="7" dur="500"/>
+                                        <p:tgtEl>
+                                          <p:spTgt spid="3">
+                                            <p:txEl>
+                                              <p:pRg st="0" end="0"/>
+                                            </p:txEl>
+                                          </p:spTgt>
+                                        </p:tgtEl>
+                                      </p:cBhvr>
+                                    </p:animEffect>
+                                  </p:childTnLst>
+                                </p:cTn>
+                              </p:par>
+                            </p:childTnLst>
+                          </p:cTn>
+                        </p:par>
+                      </p:childTnLst>
+                    </p:cTn>
+                  </p:par>
+                  <p:par>
+                    <p:cTn id="8" fill="hold">
+                      <p:stCondLst>
+                        <p:cond delay="indefinite"/>
+                      </p:stCondLst>
+                      <p:childTnLst>
+                        <p:par>
+                          <p:cTn id="9" fill="hold">
+                            <p:stCondLst>
+                              <p:cond delay="0"/>
+                            </p:stCondLst>
+                            <p:childTnLst>
+                              <p:par>
+                                <p:cTn id="10" presetID="10" presetClass="entr" presetSubtype="0" fill="hold" grpId="0" nodeType="clickEffect">
+                                  <p:stCondLst>
+                                    <p:cond delay="0"/>
+                                  </p:stCondLst>
+                                  <p:childTnLst>
+                                    <p:set>
+                                      <p:cBhvr>
+                                        <p:cTn id="11" dur="1" fill="hold">
+                                          <p:stCondLst>
+                                            <p:cond delay="0"/>
+                                          </p:stCondLst>
+                                        </p:cTn>
+                                        <p:tgtEl>
+                                          <p:spTgt spid="3">
+                                            <p:txEl>
+                                              <p:pRg st="1" end="1"/>
+                                            </p:txEl>
+                                          </p:spTgt>
+                                        </p:tgtEl>
+                                        <p:attrNameLst>
+                                          <p:attrName>style.visibility</p:attrName>
+                                        </p:attrNameLst>
+                                      </p:cBhvr>
+                                      <p:to>
+                                        <p:strVal val="visible"/>
+                                      </p:to>
+                                    </p:set>
+                                    <p:animEffect transition="in" filter="fade">
+                                      <p:cBhvr>
+                                        <p:cTn id="12" dur="500"/>
+                                        <p:tgtEl>
+                                          <p:spTgt spid="3">
+                                            <p:txEl>
+                                              <p:pRg st="1" end="1"/>
+                                            </p:txEl>
+                                          </p:spTgt>
+                                        </p:tgtEl>
+                                      </p:cBhvr>
+                                    </p:animEffect>
+                                  </p:childTnLst>
+                                </p:cTn>
+                              </p:par>
+                              <p:par>
+                                <p:cTn id="13" presetID="10" presetClass="entr" presetSubtype="0" fill="hold" grpId="0" nodeType="withEffect">
+                                  <p:stCondLst>
+                                    <p:cond delay="0"/>
+                                  </p:stCondLst>
+                                  <p:childTnLst>
+                                    <p:set>
+                                      <p:cBhvr>
+                                        <p:cTn id="14" dur="1" fill="hold">
+                                          <p:stCondLst>
+                                            <p:cond delay="0"/>
+                                          </p:stCondLst>
+                                        </p:cTn>
+                                        <p:tgtEl>
+                                          <p:spTgt spid="3">
+                                            <p:txEl>
+                                              <p:pRg st="2" end="2"/>
+                                            </p:txEl>
+                                          </p:spTgt>
+                                        </p:tgtEl>
+                                        <p:attrNameLst>
+                                          <p:attrName>style.visibility</p:attrName>
+                                        </p:attrNameLst>
+                                      </p:cBhvr>
+                                      <p:to>
+                                        <p:strVal val="visible"/>
+                                      </p:to>
+                                    </p:set>
+                                    <p:animEffect transition="in" filter="fade">
+                                      <p:cBhvr>
+                                        <p:cTn id="15" dur="500"/>
+                                        <p:tgtEl>
+                                          <p:spTgt spid="3">
+                                            <p:txEl>
+                                              <p:pRg st="2" end="2"/>
+                                            </p:txEl>
+                                          </p:spTgt>
+                                        </p:tgtEl>
+                                      </p:cBhvr>
+                                    </p:animEffect>
+                                  </p:childTnLst>
+                                </p:cTn>
+                              </p:par>
+                            </p:childTnLst>
+                          </p:cTn>
+                        </p:par>
+                      </p:childTnLst>
+                    </p:cTn>
+                  </p:par>
+                  <p:par>
+                    <p:cTn id="16" fill="hold">
+                      <p:stCondLst>
+                        <p:cond delay="indefinite"/>
+                      </p:stCondLst>
+                      <p:childTnLst>
+                        <p:par>
+                          <p:cTn id="17" fill="hold">
+                            <p:stCondLst>
+                              <p:cond delay="0"/>
+                            </p:stCondLst>
+                            <p:childTnLst>
+                              <p:par>
+                                <p:cTn id="18" presetID="10" presetClass="entr" presetSubtype="0" fill="hold" grpId="0" nodeType="clickEffect">
+                                  <p:stCondLst>
+                                    <p:cond delay="0"/>
+                                  </p:stCondLst>
+                                  <p:childTnLst>
+                                    <p:set>
+                                      <p:cBhvr>
+                                        <p:cTn id="19" dur="1" fill="hold">
+                                          <p:stCondLst>
+                                            <p:cond delay="0"/>
+                                          </p:stCondLst>
+                                        </p:cTn>
+                                        <p:tgtEl>
+                                          <p:spTgt spid="3">
+                                            <p:txEl>
+                                              <p:pRg st="3" end="3"/>
+                                            </p:txEl>
+                                          </p:spTgt>
+                                        </p:tgtEl>
+                                        <p:attrNameLst>
+                                          <p:attrName>style.visibility</p:attrName>
+                                        </p:attrNameLst>
+                                      </p:cBhvr>
+                                      <p:to>
+                                        <p:strVal val="visible"/>
+                                      </p:to>
+                                    </p:set>
+                                    <p:animEffect transition="in" filter="fade">
+                                      <p:cBhvr>
+                                        <p:cTn id="20" dur="500"/>
+                                        <p:tgtEl>
+                                          <p:spTgt spid="3">
+                                            <p:txEl>
+                                              <p:pRg st="3" end="3"/>
+                                            </p:txEl>
+                                          </p:spTgt>
+                                        </p:tgtEl>
+                                      </p:cBhvr>
+                                    </p:animEffect>
+                                  </p:childTnLst>
+                                </p:cTn>
+                              </p:par>
+                            </p:childTnLst>
+                          </p:cTn>
+                        </p:par>
+                      </p:childTnLst>
+                    </p:cTn>
+                  </p:par>
+                </p:childTnLst>
+              </p:cTn>
+              <p:prevCondLst>
+                <p:cond evt="onPrev" delay="0">
+                  <p:tgtEl>
+                    <p:sldTgt/>
+                  </p:tgtEl>
+                </p:cond>
+              </p:prevCondLst>
+              <p:nextCondLst>
+                <p:cond evt="onNext" delay="0">
+                  <p:tgtEl>
+                    <p:sldTgt/>
+                  </p:tgtEl>
+                </p:cond>
+              </p:nextCondLst>
+            </p:seq>
+          </p:childTnLst>
+        </p:cTn>
+      </p:par>
+    </p:tnLst>
+    <p:bldLst>
+      <p:bldP spid="3" grpId="0" build="p"/>
+    </p:bldLst>
+  </p:timing>
 </p:sld>
 </file>
 
